--- a/Presentations/NUCLEI_June2021/tropiano_nuclei_june2021.pptx
+++ b/Presentations/NUCLEI_June2021/tropiano_nuclei_june2021.pptx
@@ -140,6 +140,620 @@
 </p:presentation>
 </file>
 
+<file path=ppt/revisionInfo.xml><?xml version="1.0" encoding="utf-8"?>
+<p1510:revInfo xmlns:a="http://schemas.openxmlformats.org/drawingml/2006/main" xmlns:r="http://schemas.openxmlformats.org/officeDocument/2006/relationships" xmlns:p1510="http://schemas.microsoft.com/office/powerpoint/2015/10/main">
+  <p1510:revLst>
+    <p1510:client id="{FCAAE67C-AFFC-435C-AD9F-9AF171CD98BD}" v="17" dt="2021-05-31T15:16:04.924"/>
+  </p1510:revLst>
+</p1510:revInfo>
+</file>
+
+<file path=ppt/changesInfos/changesInfo1.xml><?xml version="1.0" encoding="utf-8"?>
+<pc:chgInfo xmlns:a="http://schemas.openxmlformats.org/drawingml/2006/main" xmlns:r="http://schemas.openxmlformats.org/officeDocument/2006/relationships" xmlns:ac="http://schemas.microsoft.com/office/drawing/2013/main/command" xmlns:pc="http://schemas.microsoft.com/office/powerpoint/2013/main/command">
+  <pc:docChgLst>
+    <pc:chgData name="Anthony Tropiano" userId="233d3ea1253ce006" providerId="LiveId" clId="{FCAAE67C-AFFC-435C-AD9F-9AF171CD98BD}"/>
+    <pc:docChg chg="undo custSel modSld sldOrd">
+      <pc:chgData name="Anthony Tropiano" userId="233d3ea1253ce006" providerId="LiveId" clId="{FCAAE67C-AFFC-435C-AD9F-9AF171CD98BD}" dt="2021-05-31T15:19:36.236" v="357" actId="167"/>
+      <pc:docMkLst>
+        <pc:docMk/>
+      </pc:docMkLst>
+      <pc:sldChg chg="addSp delSp modSp mod">
+        <pc:chgData name="Anthony Tropiano" userId="233d3ea1253ce006" providerId="LiveId" clId="{FCAAE67C-AFFC-435C-AD9F-9AF171CD98BD}" dt="2021-05-31T15:17:43.624" v="354" actId="20577"/>
+        <pc:sldMkLst>
+          <pc:docMk/>
+          <pc:sldMk cId="2696127934" sldId="288"/>
+        </pc:sldMkLst>
+        <pc:spChg chg="mod">
+          <ac:chgData name="Anthony Tropiano" userId="233d3ea1253ce006" providerId="LiveId" clId="{FCAAE67C-AFFC-435C-AD9F-9AF171CD98BD}" dt="2021-05-31T14:44:06.799" v="139" actId="20577"/>
+          <ac:spMkLst>
+            <pc:docMk/>
+            <pc:sldMk cId="2696127934" sldId="288"/>
+            <ac:spMk id="2" creationId="{9FECE9C7-FBB0-B54D-8E92-C3BC6CA96ED2}"/>
+          </ac:spMkLst>
+        </pc:spChg>
+        <pc:spChg chg="mod">
+          <ac:chgData name="Anthony Tropiano" userId="233d3ea1253ce006" providerId="LiveId" clId="{FCAAE67C-AFFC-435C-AD9F-9AF171CD98BD}" dt="2021-05-31T15:17:43.624" v="354" actId="20577"/>
+          <ac:spMkLst>
+            <pc:docMk/>
+            <pc:sldMk cId="2696127934" sldId="288"/>
+            <ac:spMk id="3" creationId="{1A8FA9B3-1B32-894B-93C2-F90FB63CBDAA}"/>
+          </ac:spMkLst>
+        </pc:spChg>
+        <pc:picChg chg="add mod ord">
+          <ac:chgData name="Anthony Tropiano" userId="233d3ea1253ce006" providerId="LiveId" clId="{FCAAE67C-AFFC-435C-AD9F-9AF171CD98BD}" dt="2021-05-31T15:16:21.952" v="344" actId="167"/>
+          <ac:picMkLst>
+            <pc:docMk/>
+            <pc:sldMk cId="2696127934" sldId="288"/>
+            <ac:picMk id="7" creationId="{0D4C7292-FB7A-4469-9692-B603F7966BCD}"/>
+          </ac:picMkLst>
+        </pc:picChg>
+        <pc:picChg chg="del">
+          <ac:chgData name="Anthony Tropiano" userId="233d3ea1253ce006" providerId="LiveId" clId="{FCAAE67C-AFFC-435C-AD9F-9AF171CD98BD}" dt="2021-05-31T15:16:23.272" v="345" actId="478"/>
+          <ac:picMkLst>
+            <pc:docMk/>
+            <pc:sldMk cId="2696127934" sldId="288"/>
+            <ac:picMk id="10" creationId="{436BAE43-4413-404C-82F9-1E66F248AD90}"/>
+          </ac:picMkLst>
+        </pc:picChg>
+      </pc:sldChg>
+      <pc:sldChg chg="modSp mod">
+        <pc:chgData name="Anthony Tropiano" userId="233d3ea1253ce006" providerId="LiveId" clId="{FCAAE67C-AFFC-435C-AD9F-9AF171CD98BD}" dt="2021-05-31T14:41:29.725" v="132" actId="20577"/>
+        <pc:sldMkLst>
+          <pc:docMk/>
+          <pc:sldMk cId="2458220907" sldId="289"/>
+        </pc:sldMkLst>
+        <pc:spChg chg="mod">
+          <ac:chgData name="Anthony Tropiano" userId="233d3ea1253ce006" providerId="LiveId" clId="{FCAAE67C-AFFC-435C-AD9F-9AF171CD98BD}" dt="2021-05-31T14:41:29.725" v="132" actId="20577"/>
+          <ac:spMkLst>
+            <pc:docMk/>
+            <pc:sldMk cId="2458220907" sldId="289"/>
+            <ac:spMk id="2" creationId="{9FECE9C7-FBB0-B54D-8E92-C3BC6CA96ED2}"/>
+          </ac:spMkLst>
+        </pc:spChg>
+        <pc:spChg chg="mod">
+          <ac:chgData name="Anthony Tropiano" userId="233d3ea1253ce006" providerId="LiveId" clId="{FCAAE67C-AFFC-435C-AD9F-9AF171CD98BD}" dt="2021-05-31T13:31:26.972" v="10" actId="27636"/>
+          <ac:spMkLst>
+            <pc:docMk/>
+            <pc:sldMk cId="2458220907" sldId="289"/>
+            <ac:spMk id="3" creationId="{1A8FA9B3-1B32-894B-93C2-F90FB63CBDAA}"/>
+          </ac:spMkLst>
+        </pc:spChg>
+      </pc:sldChg>
+      <pc:sldChg chg="addSp delSp modSp mod">
+        <pc:chgData name="Anthony Tropiano" userId="233d3ea1253ce006" providerId="LiveId" clId="{FCAAE67C-AFFC-435C-AD9F-9AF171CD98BD}" dt="2021-05-31T14:31:20.822" v="61" actId="478"/>
+        <pc:sldMkLst>
+          <pc:docMk/>
+          <pc:sldMk cId="3441146041" sldId="334"/>
+        </pc:sldMkLst>
+        <pc:picChg chg="add del mod">
+          <ac:chgData name="Anthony Tropiano" userId="233d3ea1253ce006" providerId="LiveId" clId="{FCAAE67C-AFFC-435C-AD9F-9AF171CD98BD}" dt="2021-05-31T14:31:20.822" v="61" actId="478"/>
+          <ac:picMkLst>
+            <pc:docMk/>
+            <pc:sldMk cId="3441146041" sldId="334"/>
+            <ac:picMk id="7" creationId="{C5FD2AF4-CA47-4B7C-AE2B-1C1F0D23EBD9}"/>
+          </ac:picMkLst>
+        </pc:picChg>
+        <pc:picChg chg="del">
+          <ac:chgData name="Anthony Tropiano" userId="233d3ea1253ce006" providerId="LiveId" clId="{FCAAE67C-AFFC-435C-AD9F-9AF171CD98BD}" dt="2021-05-31T14:27:23.628" v="34" actId="478"/>
+          <ac:picMkLst>
+            <pc:docMk/>
+            <pc:sldMk cId="3441146041" sldId="334"/>
+            <ac:picMk id="8" creationId="{8558FB7A-92D8-4BB8-94BF-F7247ABF029A}"/>
+          </ac:picMkLst>
+        </pc:picChg>
+        <pc:picChg chg="add mod">
+          <ac:chgData name="Anthony Tropiano" userId="233d3ea1253ce006" providerId="LiveId" clId="{FCAAE67C-AFFC-435C-AD9F-9AF171CD98BD}" dt="2021-05-31T14:31:16.734" v="60" actId="1076"/>
+          <ac:picMkLst>
+            <pc:docMk/>
+            <pc:sldMk cId="3441146041" sldId="334"/>
+            <ac:picMk id="11" creationId="{408245BD-FF2F-4787-A4D3-32D373812A95}"/>
+          </ac:picMkLst>
+        </pc:picChg>
+      </pc:sldChg>
+      <pc:sldChg chg="addSp delSp modSp mod">
+        <pc:chgData name="Anthony Tropiano" userId="233d3ea1253ce006" providerId="LiveId" clId="{FCAAE67C-AFFC-435C-AD9F-9AF171CD98BD}" dt="2021-05-31T14:32:06.387" v="85" actId="478"/>
+        <pc:sldMkLst>
+          <pc:docMk/>
+          <pc:sldMk cId="562059806" sldId="335"/>
+        </pc:sldMkLst>
+        <pc:picChg chg="add del mod">
+          <ac:chgData name="Anthony Tropiano" userId="233d3ea1253ce006" providerId="LiveId" clId="{FCAAE67C-AFFC-435C-AD9F-9AF171CD98BD}" dt="2021-05-31T14:28:29.848" v="41" actId="478"/>
+          <ac:picMkLst>
+            <pc:docMk/>
+            <pc:sldMk cId="562059806" sldId="335"/>
+            <ac:picMk id="7" creationId="{856A19DF-FFBB-402C-9690-1A74C57C21B6}"/>
+          </ac:picMkLst>
+        </pc:picChg>
+        <pc:picChg chg="del">
+          <ac:chgData name="Anthony Tropiano" userId="233d3ea1253ce006" providerId="LiveId" clId="{FCAAE67C-AFFC-435C-AD9F-9AF171CD98BD}" dt="2021-05-31T14:32:06.387" v="85" actId="478"/>
+          <ac:picMkLst>
+            <pc:docMk/>
+            <pc:sldMk cId="562059806" sldId="335"/>
+            <ac:picMk id="11" creationId="{166A3E21-C887-47AC-B31D-397F548704C6}"/>
+          </ac:picMkLst>
+        </pc:picChg>
+        <pc:picChg chg="add mod">
+          <ac:chgData name="Anthony Tropiano" userId="233d3ea1253ce006" providerId="LiveId" clId="{FCAAE67C-AFFC-435C-AD9F-9AF171CD98BD}" dt="2021-05-31T14:32:03.899" v="84" actId="1076"/>
+          <ac:picMkLst>
+            <pc:docMk/>
+            <pc:sldMk cId="562059806" sldId="335"/>
+            <ac:picMk id="12" creationId="{50042DF0-7FD5-4B90-9E5D-7D2870FDF860}"/>
+          </ac:picMkLst>
+        </pc:picChg>
+      </pc:sldChg>
+      <pc:sldChg chg="addSp delSp modSp mod">
+        <pc:chgData name="Anthony Tropiano" userId="233d3ea1253ce006" providerId="LiveId" clId="{FCAAE67C-AFFC-435C-AD9F-9AF171CD98BD}" dt="2021-05-31T14:32:43.263" v="105" actId="478"/>
+        <pc:sldMkLst>
+          <pc:docMk/>
+          <pc:sldMk cId="971586444" sldId="338"/>
+        </pc:sldMkLst>
+        <pc:picChg chg="add mod">
+          <ac:chgData name="Anthony Tropiano" userId="233d3ea1253ce006" providerId="LiveId" clId="{FCAAE67C-AFFC-435C-AD9F-9AF171CD98BD}" dt="2021-05-31T14:32:40.761" v="104" actId="1076"/>
+          <ac:picMkLst>
+            <pc:docMk/>
+            <pc:sldMk cId="971586444" sldId="338"/>
+            <ac:picMk id="7" creationId="{5A103312-47AC-4A86-A69B-C456B653E32A}"/>
+          </ac:picMkLst>
+        </pc:picChg>
+        <pc:picChg chg="del">
+          <ac:chgData name="Anthony Tropiano" userId="233d3ea1253ce006" providerId="LiveId" clId="{FCAAE67C-AFFC-435C-AD9F-9AF171CD98BD}" dt="2021-05-31T14:32:43.263" v="105" actId="478"/>
+          <ac:picMkLst>
+            <pc:docMk/>
+            <pc:sldMk cId="971586444" sldId="338"/>
+            <ac:picMk id="12" creationId="{BFC64F92-B78B-48E8-B59E-B66D87D70F97}"/>
+          </ac:picMkLst>
+        </pc:picChg>
+      </pc:sldChg>
+      <pc:sldChg chg="addSp delSp modSp mod">
+        <pc:chgData name="Anthony Tropiano" userId="233d3ea1253ce006" providerId="LiveId" clId="{FCAAE67C-AFFC-435C-AD9F-9AF171CD98BD}" dt="2021-05-31T14:33:13.353" v="125" actId="478"/>
+        <pc:sldMkLst>
+          <pc:docMk/>
+          <pc:sldMk cId="162100182" sldId="339"/>
+        </pc:sldMkLst>
+        <pc:picChg chg="add mod">
+          <ac:chgData name="Anthony Tropiano" userId="233d3ea1253ce006" providerId="LiveId" clId="{FCAAE67C-AFFC-435C-AD9F-9AF171CD98BD}" dt="2021-05-31T14:33:09.668" v="124" actId="1076"/>
+          <ac:picMkLst>
+            <pc:docMk/>
+            <pc:sldMk cId="162100182" sldId="339"/>
+            <ac:picMk id="7" creationId="{DFA318B9-913F-4D87-81BF-687D886C4780}"/>
+          </ac:picMkLst>
+        </pc:picChg>
+        <pc:picChg chg="del">
+          <ac:chgData name="Anthony Tropiano" userId="233d3ea1253ce006" providerId="LiveId" clId="{FCAAE67C-AFFC-435C-AD9F-9AF171CD98BD}" dt="2021-05-31T14:33:13.353" v="125" actId="478"/>
+          <ac:picMkLst>
+            <pc:docMk/>
+            <pc:sldMk cId="162100182" sldId="339"/>
+            <ac:picMk id="13" creationId="{8F21E53A-79F4-42E2-ACBC-FBD48823E700}"/>
+          </ac:picMkLst>
+        </pc:picChg>
+      </pc:sldChg>
+      <pc:sldChg chg="addSp delSp modSp mod">
+        <pc:chgData name="Anthony Tropiano" userId="233d3ea1253ce006" providerId="LiveId" clId="{FCAAE67C-AFFC-435C-AD9F-9AF171CD98BD}" dt="2021-05-31T14:33:19.556" v="127"/>
+        <pc:sldMkLst>
+          <pc:docMk/>
+          <pc:sldMk cId="222800089" sldId="343"/>
+        </pc:sldMkLst>
+        <pc:picChg chg="add mod">
+          <ac:chgData name="Anthony Tropiano" userId="233d3ea1253ce006" providerId="LiveId" clId="{FCAAE67C-AFFC-435C-AD9F-9AF171CD98BD}" dt="2021-05-31T14:33:19.556" v="127"/>
+          <ac:picMkLst>
+            <pc:docMk/>
+            <pc:sldMk cId="222800089" sldId="343"/>
+            <ac:picMk id="8" creationId="{DD83E321-3268-4A6C-BB51-14BD77254E8F}"/>
+          </ac:picMkLst>
+        </pc:picChg>
+        <pc:picChg chg="del">
+          <ac:chgData name="Anthony Tropiano" userId="233d3ea1253ce006" providerId="LiveId" clId="{FCAAE67C-AFFC-435C-AD9F-9AF171CD98BD}" dt="2021-05-31T14:33:18.594" v="126" actId="478"/>
+          <ac:picMkLst>
+            <pc:docMk/>
+            <pc:sldMk cId="222800089" sldId="343"/>
+            <ac:picMk id="12" creationId="{1BDF93BD-03DF-4845-8EB9-67CFC7060331}"/>
+          </ac:picMkLst>
+        </pc:picChg>
+      </pc:sldChg>
+      <pc:sldChg chg="addSp delSp modSp mod">
+        <pc:chgData name="Anthony Tropiano" userId="233d3ea1253ce006" providerId="LiveId" clId="{FCAAE67C-AFFC-435C-AD9F-9AF171CD98BD}" dt="2021-05-31T14:33:23.927" v="129"/>
+        <pc:sldMkLst>
+          <pc:docMk/>
+          <pc:sldMk cId="89882095" sldId="345"/>
+        </pc:sldMkLst>
+        <pc:picChg chg="add mod">
+          <ac:chgData name="Anthony Tropiano" userId="233d3ea1253ce006" providerId="LiveId" clId="{FCAAE67C-AFFC-435C-AD9F-9AF171CD98BD}" dt="2021-05-31T14:33:23.927" v="129"/>
+          <ac:picMkLst>
+            <pc:docMk/>
+            <pc:sldMk cId="89882095" sldId="345"/>
+            <ac:picMk id="12" creationId="{34EB86F1-E8ED-4F02-955B-5406DB54B935}"/>
+          </ac:picMkLst>
+        </pc:picChg>
+        <pc:picChg chg="del">
+          <ac:chgData name="Anthony Tropiano" userId="233d3ea1253ce006" providerId="LiveId" clId="{FCAAE67C-AFFC-435C-AD9F-9AF171CD98BD}" dt="2021-05-31T14:33:23.097" v="128" actId="478"/>
+          <ac:picMkLst>
+            <pc:docMk/>
+            <pc:sldMk cId="89882095" sldId="345"/>
+            <ac:picMk id="16" creationId="{A1BA9114-26E3-46F7-A818-0BD17E039ABF}"/>
+          </ac:picMkLst>
+        </pc:picChg>
+      </pc:sldChg>
+      <pc:sldChg chg="addSp delSp modSp mod">
+        <pc:chgData name="Anthony Tropiano" userId="233d3ea1253ce006" providerId="LiveId" clId="{FCAAE67C-AFFC-435C-AD9F-9AF171CD98BD}" dt="2021-05-31T14:33:27.589" v="131"/>
+        <pc:sldMkLst>
+          <pc:docMk/>
+          <pc:sldMk cId="221442031" sldId="346"/>
+        </pc:sldMkLst>
+        <pc:picChg chg="add mod">
+          <ac:chgData name="Anthony Tropiano" userId="233d3ea1253ce006" providerId="LiveId" clId="{FCAAE67C-AFFC-435C-AD9F-9AF171CD98BD}" dt="2021-05-31T14:33:27.589" v="131"/>
+          <ac:picMkLst>
+            <pc:docMk/>
+            <pc:sldMk cId="221442031" sldId="346"/>
+            <ac:picMk id="12" creationId="{5C6EB421-4587-4CCB-B699-44225F813F24}"/>
+          </ac:picMkLst>
+        </pc:picChg>
+        <pc:picChg chg="del">
+          <ac:chgData name="Anthony Tropiano" userId="233d3ea1253ce006" providerId="LiveId" clId="{FCAAE67C-AFFC-435C-AD9F-9AF171CD98BD}" dt="2021-05-31T14:33:26.785" v="130" actId="478"/>
+          <ac:picMkLst>
+            <pc:docMk/>
+            <pc:sldMk cId="221442031" sldId="346"/>
+            <ac:picMk id="16" creationId="{3336FE8D-4F2B-4FE8-A73F-DED9E8E90FD9}"/>
+          </ac:picMkLst>
+        </pc:picChg>
+      </pc:sldChg>
+      <pc:sldChg chg="addSp delSp modSp mod ord">
+        <pc:chgData name="Anthony Tropiano" userId="233d3ea1253ce006" providerId="LiveId" clId="{FCAAE67C-AFFC-435C-AD9F-9AF171CD98BD}" dt="2021-05-31T15:19:36.236" v="357" actId="167"/>
+        <pc:sldMkLst>
+          <pc:docMk/>
+          <pc:sldMk cId="2443494481" sldId="351"/>
+        </pc:sldMkLst>
+        <pc:spChg chg="mod">
+          <ac:chgData name="Anthony Tropiano" userId="233d3ea1253ce006" providerId="LiveId" clId="{FCAAE67C-AFFC-435C-AD9F-9AF171CD98BD}" dt="2021-05-31T14:43:49.346" v="133" actId="20577"/>
+          <ac:spMkLst>
+            <pc:docMk/>
+            <pc:sldMk cId="2443494481" sldId="351"/>
+            <ac:spMk id="2" creationId="{9FECE9C7-FBB0-B54D-8E92-C3BC6CA96ED2}"/>
+          </ac:spMkLst>
+        </pc:spChg>
+        <pc:picChg chg="del mod">
+          <ac:chgData name="Anthony Tropiano" userId="233d3ea1253ce006" providerId="LiveId" clId="{FCAAE67C-AFFC-435C-AD9F-9AF171CD98BD}" dt="2021-05-31T15:05:33.629" v="190" actId="478"/>
+          <ac:picMkLst>
+            <pc:docMk/>
+            <pc:sldMk cId="2443494481" sldId="351"/>
+            <ac:picMk id="7" creationId="{7636F6F1-EE52-45DE-8A2A-21876B15C091}"/>
+          </ac:picMkLst>
+        </pc:picChg>
+        <pc:picChg chg="add mod ord">
+          <ac:chgData name="Anthony Tropiano" userId="233d3ea1253ce006" providerId="LiveId" clId="{FCAAE67C-AFFC-435C-AD9F-9AF171CD98BD}" dt="2021-05-31T15:19:36.236" v="357" actId="167"/>
+          <ac:picMkLst>
+            <pc:docMk/>
+            <pc:sldMk cId="2443494481" sldId="351"/>
+            <ac:picMk id="10" creationId="{BF459289-34A5-4B2D-B3B9-8171E8E92AD0}"/>
+          </ac:picMkLst>
+        </pc:picChg>
+      </pc:sldChg>
+      <pc:sldChg chg="addSp delSp modSp mod">
+        <pc:chgData name="Anthony Tropiano" userId="233d3ea1253ce006" providerId="LiveId" clId="{FCAAE67C-AFFC-435C-AD9F-9AF171CD98BD}" dt="2021-05-31T15:04:18.022" v="162" actId="14100"/>
+        <pc:sldMkLst>
+          <pc:docMk/>
+          <pc:sldMk cId="3065171183" sldId="352"/>
+        </pc:sldMkLst>
+        <pc:spChg chg="mod">
+          <ac:chgData name="Anthony Tropiano" userId="233d3ea1253ce006" providerId="LiveId" clId="{FCAAE67C-AFFC-435C-AD9F-9AF171CD98BD}" dt="2021-05-31T14:43:52.050" v="134" actId="20577"/>
+          <ac:spMkLst>
+            <pc:docMk/>
+            <pc:sldMk cId="3065171183" sldId="352"/>
+            <ac:spMk id="2" creationId="{9FECE9C7-FBB0-B54D-8E92-C3BC6CA96ED2}"/>
+          </ac:spMkLst>
+        </pc:spChg>
+        <pc:spChg chg="mod">
+          <ac:chgData name="Anthony Tropiano" userId="233d3ea1253ce006" providerId="LiveId" clId="{FCAAE67C-AFFC-435C-AD9F-9AF171CD98BD}" dt="2021-05-31T15:03:57.260" v="159" actId="255"/>
+          <ac:spMkLst>
+            <pc:docMk/>
+            <pc:sldMk cId="3065171183" sldId="352"/>
+            <ac:spMk id="3" creationId="{1A8FA9B3-1B32-894B-93C2-F90FB63CBDAA}"/>
+          </ac:spMkLst>
+        </pc:spChg>
+        <pc:spChg chg="mod">
+          <ac:chgData name="Anthony Tropiano" userId="233d3ea1253ce006" providerId="LiveId" clId="{FCAAE67C-AFFC-435C-AD9F-9AF171CD98BD}" dt="2021-05-31T15:04:18.022" v="162" actId="14100"/>
+          <ac:spMkLst>
+            <pc:docMk/>
+            <pc:sldMk cId="3065171183" sldId="352"/>
+            <ac:spMk id="16" creationId="{1D9EB699-67B2-496C-97EA-04B5033A53CF}"/>
+          </ac:spMkLst>
+        </pc:spChg>
+        <pc:spChg chg="mod">
+          <ac:chgData name="Anthony Tropiano" userId="233d3ea1253ce006" providerId="LiveId" clId="{FCAAE67C-AFFC-435C-AD9F-9AF171CD98BD}" dt="2021-05-31T15:03:42.872" v="157" actId="1076"/>
+          <ac:spMkLst>
+            <pc:docMk/>
+            <pc:sldMk cId="3065171183" sldId="352"/>
+            <ac:spMk id="17" creationId="{C419643E-8C72-4798-AB23-3C7A55844BEA}"/>
+          </ac:spMkLst>
+        </pc:spChg>
+        <pc:picChg chg="add mod ord">
+          <ac:chgData name="Anthony Tropiano" userId="233d3ea1253ce006" providerId="LiveId" clId="{FCAAE67C-AFFC-435C-AD9F-9AF171CD98BD}" dt="2021-05-31T15:04:08.188" v="161" actId="1076"/>
+          <ac:picMkLst>
+            <pc:docMk/>
+            <pc:sldMk cId="3065171183" sldId="352"/>
+            <ac:picMk id="7" creationId="{811DB2A1-53C9-4E7D-BAD6-CAC8F1A016B1}"/>
+          </ac:picMkLst>
+        </pc:picChg>
+        <pc:picChg chg="del">
+          <ac:chgData name="Anthony Tropiano" userId="233d3ea1253ce006" providerId="LiveId" clId="{FCAAE67C-AFFC-435C-AD9F-9AF171CD98BD}" dt="2021-05-31T15:02:29.305" v="142" actId="478"/>
+          <ac:picMkLst>
+            <pc:docMk/>
+            <pc:sldMk cId="3065171183" sldId="352"/>
+            <ac:picMk id="8" creationId="{DB856DB1-6162-4C7A-B090-B1D6781545ED}"/>
+          </ac:picMkLst>
+        </pc:picChg>
+        <pc:picChg chg="del">
+          <ac:chgData name="Anthony Tropiano" userId="233d3ea1253ce006" providerId="LiveId" clId="{FCAAE67C-AFFC-435C-AD9F-9AF171CD98BD}" dt="2021-05-31T15:02:30.869" v="144" actId="478"/>
+          <ac:picMkLst>
+            <pc:docMk/>
+            <pc:sldMk cId="3065171183" sldId="352"/>
+            <ac:picMk id="11" creationId="{BD7E94C9-E81A-4385-9047-DB3206344E80}"/>
+          </ac:picMkLst>
+        </pc:picChg>
+        <pc:picChg chg="del">
+          <ac:chgData name="Anthony Tropiano" userId="233d3ea1253ce006" providerId="LiveId" clId="{FCAAE67C-AFFC-435C-AD9F-9AF171CD98BD}" dt="2021-05-31T15:02:30.095" v="143" actId="478"/>
+          <ac:picMkLst>
+            <pc:docMk/>
+            <pc:sldMk cId="3065171183" sldId="352"/>
+            <ac:picMk id="13" creationId="{7BEE01CE-3F7D-4185-801D-FF1236B3F973}"/>
+          </ac:picMkLst>
+        </pc:picChg>
+      </pc:sldChg>
+      <pc:sldChg chg="modSp mod">
+        <pc:chgData name="Anthony Tropiano" userId="233d3ea1253ce006" providerId="LiveId" clId="{FCAAE67C-AFFC-435C-AD9F-9AF171CD98BD}" dt="2021-05-31T14:43:54.668" v="135" actId="20577"/>
+        <pc:sldMkLst>
+          <pc:docMk/>
+          <pc:sldMk cId="3552009979" sldId="353"/>
+        </pc:sldMkLst>
+        <pc:spChg chg="mod">
+          <ac:chgData name="Anthony Tropiano" userId="233d3ea1253ce006" providerId="LiveId" clId="{FCAAE67C-AFFC-435C-AD9F-9AF171CD98BD}" dt="2021-05-31T14:43:54.668" v="135" actId="20577"/>
+          <ac:spMkLst>
+            <pc:docMk/>
+            <pc:sldMk cId="3552009979" sldId="353"/>
+            <ac:spMk id="2" creationId="{9FECE9C7-FBB0-B54D-8E92-C3BC6CA96ED2}"/>
+          </ac:spMkLst>
+        </pc:spChg>
+      </pc:sldChg>
+      <pc:sldChg chg="addSp delSp modSp mod">
+        <pc:chgData name="Anthony Tropiano" userId="233d3ea1253ce006" providerId="LiveId" clId="{FCAAE67C-AFFC-435C-AD9F-9AF171CD98BD}" dt="2021-05-31T15:15:31.504" v="326" actId="14100"/>
+        <pc:sldMkLst>
+          <pc:docMk/>
+          <pc:sldMk cId="1253447032" sldId="355"/>
+        </pc:sldMkLst>
+        <pc:spChg chg="mod">
+          <ac:chgData name="Anthony Tropiano" userId="233d3ea1253ce006" providerId="LiveId" clId="{FCAAE67C-AFFC-435C-AD9F-9AF171CD98BD}" dt="2021-05-31T14:44:03.547" v="138" actId="20577"/>
+          <ac:spMkLst>
+            <pc:docMk/>
+            <pc:sldMk cId="1253447032" sldId="355"/>
+            <ac:spMk id="2" creationId="{9FECE9C7-FBB0-B54D-8E92-C3BC6CA96ED2}"/>
+          </ac:spMkLst>
+        </pc:spChg>
+        <pc:spChg chg="mod">
+          <ac:chgData name="Anthony Tropiano" userId="233d3ea1253ce006" providerId="LiveId" clId="{FCAAE67C-AFFC-435C-AD9F-9AF171CD98BD}" dt="2021-05-31T15:15:31.504" v="326" actId="14100"/>
+          <ac:spMkLst>
+            <pc:docMk/>
+            <pc:sldMk cId="1253447032" sldId="355"/>
+            <ac:spMk id="3" creationId="{1A8FA9B3-1B32-894B-93C2-F90FB63CBDAA}"/>
+          </ac:spMkLst>
+        </pc:spChg>
+        <pc:spChg chg="del mod">
+          <ac:chgData name="Anthony Tropiano" userId="233d3ea1253ce006" providerId="LiveId" clId="{FCAAE67C-AFFC-435C-AD9F-9AF171CD98BD}" dt="2021-05-31T15:14:53.795" v="322" actId="478"/>
+          <ac:spMkLst>
+            <pc:docMk/>
+            <pc:sldMk cId="1253447032" sldId="355"/>
+            <ac:spMk id="10" creationId="{0C7C6CB6-0B43-46B2-83D3-DFF3C3BE29F4}"/>
+          </ac:spMkLst>
+        </pc:spChg>
+        <pc:spChg chg="mod">
+          <ac:chgData name="Anthony Tropiano" userId="233d3ea1253ce006" providerId="LiveId" clId="{FCAAE67C-AFFC-435C-AD9F-9AF171CD98BD}" dt="2021-05-31T15:14:44.129" v="318" actId="1076"/>
+          <ac:spMkLst>
+            <pc:docMk/>
+            <pc:sldMk cId="1253447032" sldId="355"/>
+            <ac:spMk id="15" creationId="{C543C442-7690-4DDD-9BA1-592B121AEBFC}"/>
+          </ac:spMkLst>
+        </pc:spChg>
+        <pc:spChg chg="add mod">
+          <ac:chgData name="Anthony Tropiano" userId="233d3ea1253ce006" providerId="LiveId" clId="{FCAAE67C-AFFC-435C-AD9F-9AF171CD98BD}" dt="2021-05-31T15:15:07.888" v="324" actId="1076"/>
+          <ac:spMkLst>
+            <pc:docMk/>
+            <pc:sldMk cId="1253447032" sldId="355"/>
+            <ac:spMk id="17" creationId="{23F59022-5A29-4623-9C6D-1411A496FBC2}"/>
+          </ac:spMkLst>
+        </pc:spChg>
+        <pc:picChg chg="add mod ord">
+          <ac:chgData name="Anthony Tropiano" userId="233d3ea1253ce006" providerId="LiveId" clId="{FCAAE67C-AFFC-435C-AD9F-9AF171CD98BD}" dt="2021-05-31T15:14:26.956" v="315" actId="167"/>
+          <ac:picMkLst>
+            <pc:docMk/>
+            <pc:sldMk cId="1253447032" sldId="355"/>
+            <ac:picMk id="7" creationId="{9B561A1D-CCDE-4999-BE55-95B9F61F71FC}"/>
+          </ac:picMkLst>
+        </pc:picChg>
+        <pc:picChg chg="del">
+          <ac:chgData name="Anthony Tropiano" userId="233d3ea1253ce006" providerId="LiveId" clId="{FCAAE67C-AFFC-435C-AD9F-9AF171CD98BD}" dt="2021-05-31T15:14:23.020" v="313" actId="478"/>
+          <ac:picMkLst>
+            <pc:docMk/>
+            <pc:sldMk cId="1253447032" sldId="355"/>
+            <ac:picMk id="9" creationId="{82C679BE-F081-4A06-B400-A76144A347FD}"/>
+          </ac:picMkLst>
+        </pc:picChg>
+        <pc:cxnChg chg="mod">
+          <ac:chgData name="Anthony Tropiano" userId="233d3ea1253ce006" providerId="LiveId" clId="{FCAAE67C-AFFC-435C-AD9F-9AF171CD98BD}" dt="2021-05-31T15:15:11.194" v="325" actId="14100"/>
+          <ac:cxnSpMkLst>
+            <pc:docMk/>
+            <pc:sldMk cId="1253447032" sldId="355"/>
+            <ac:cxnSpMk id="13" creationId="{00054BF0-63B8-49CC-8968-8C0D0DE14F06}"/>
+          </ac:cxnSpMkLst>
+        </pc:cxnChg>
+      </pc:sldChg>
+      <pc:sldChg chg="addSp delSp modSp mod">
+        <pc:chgData name="Anthony Tropiano" userId="233d3ea1253ce006" providerId="LiveId" clId="{FCAAE67C-AFFC-435C-AD9F-9AF171CD98BD}" dt="2021-05-31T15:12:55.951" v="287" actId="14100"/>
+        <pc:sldMkLst>
+          <pc:docMk/>
+          <pc:sldMk cId="573026633" sldId="357"/>
+        </pc:sldMkLst>
+        <pc:spChg chg="mod">
+          <ac:chgData name="Anthony Tropiano" userId="233d3ea1253ce006" providerId="LiveId" clId="{FCAAE67C-AFFC-435C-AD9F-9AF171CD98BD}" dt="2021-05-31T14:44:01.095" v="137" actId="20577"/>
+          <ac:spMkLst>
+            <pc:docMk/>
+            <pc:sldMk cId="573026633" sldId="357"/>
+            <ac:spMk id="2" creationId="{9FECE9C7-FBB0-B54D-8E92-C3BC6CA96ED2}"/>
+          </ac:spMkLst>
+        </pc:spChg>
+        <pc:spChg chg="mod">
+          <ac:chgData name="Anthony Tropiano" userId="233d3ea1253ce006" providerId="LiveId" clId="{FCAAE67C-AFFC-435C-AD9F-9AF171CD98BD}" dt="2021-05-31T15:12:17.788" v="278" actId="1076"/>
+          <ac:spMkLst>
+            <pc:docMk/>
+            <pc:sldMk cId="573026633" sldId="357"/>
+            <ac:spMk id="12" creationId="{59EFC8E7-2541-48A3-9FC0-B510A5FD86D1}"/>
+          </ac:spMkLst>
+        </pc:spChg>
+        <pc:spChg chg="mod ord">
+          <ac:chgData name="Anthony Tropiano" userId="233d3ea1253ce006" providerId="LiveId" clId="{FCAAE67C-AFFC-435C-AD9F-9AF171CD98BD}" dt="2021-05-31T15:12:29.732" v="282" actId="1076"/>
+          <ac:spMkLst>
+            <pc:docMk/>
+            <pc:sldMk cId="573026633" sldId="357"/>
+            <ac:spMk id="18" creationId="{A678C984-5C0E-4E49-B052-23C408395A20}"/>
+          </ac:spMkLst>
+        </pc:spChg>
+        <pc:spChg chg="mod">
+          <ac:chgData name="Anthony Tropiano" userId="233d3ea1253ce006" providerId="LiveId" clId="{FCAAE67C-AFFC-435C-AD9F-9AF171CD98BD}" dt="2021-05-31T15:12:09.152" v="276" actId="1076"/>
+          <ac:spMkLst>
+            <pc:docMk/>
+            <pc:sldMk cId="573026633" sldId="357"/>
+            <ac:spMk id="19" creationId="{EE2713C1-C2EB-48C9-8D10-34C6D732BF25}"/>
+          </ac:spMkLst>
+        </pc:spChg>
+        <pc:picChg chg="del">
+          <ac:chgData name="Anthony Tropiano" userId="233d3ea1253ce006" providerId="LiveId" clId="{FCAAE67C-AFFC-435C-AD9F-9AF171CD98BD}" dt="2021-05-31T15:11:14.342" v="258" actId="478"/>
+          <ac:picMkLst>
+            <pc:docMk/>
+            <pc:sldMk cId="573026633" sldId="357"/>
+            <ac:picMk id="5" creationId="{3C2275A4-9919-4852-8DA2-71AD6C764C61}"/>
+          </ac:picMkLst>
+        </pc:picChg>
+        <pc:picChg chg="add mod ord">
+          <ac:chgData name="Anthony Tropiano" userId="233d3ea1253ce006" providerId="LiveId" clId="{FCAAE67C-AFFC-435C-AD9F-9AF171CD98BD}" dt="2021-05-31T15:12:48.547" v="284" actId="1076"/>
+          <ac:picMkLst>
+            <pc:docMk/>
+            <pc:sldMk cId="573026633" sldId="357"/>
+            <ac:picMk id="7" creationId="{7793D3E3-C7B2-47DA-B9FB-DE85F359026E}"/>
+          </ac:picMkLst>
+        </pc:picChg>
+        <pc:cxnChg chg="mod">
+          <ac:chgData name="Anthony Tropiano" userId="233d3ea1253ce006" providerId="LiveId" clId="{FCAAE67C-AFFC-435C-AD9F-9AF171CD98BD}" dt="2021-05-31T15:12:55.951" v="287" actId="14100"/>
+          <ac:cxnSpMkLst>
+            <pc:docMk/>
+            <pc:sldMk cId="573026633" sldId="357"/>
+            <ac:cxnSpMk id="10" creationId="{792D56E1-DF6E-4273-937E-693B3FC2119F}"/>
+          </ac:cxnSpMkLst>
+        </pc:cxnChg>
+        <pc:cxnChg chg="mod ord">
+          <ac:chgData name="Anthony Tropiano" userId="233d3ea1253ce006" providerId="LiveId" clId="{FCAAE67C-AFFC-435C-AD9F-9AF171CD98BD}" dt="2021-05-31T15:12:52.889" v="286" actId="14100"/>
+          <ac:cxnSpMkLst>
+            <pc:docMk/>
+            <pc:sldMk cId="573026633" sldId="357"/>
+            <ac:cxnSpMk id="20" creationId="{5625258E-3FD5-43C5-BC9A-99C8F589A589}"/>
+          </ac:cxnSpMkLst>
+        </pc:cxnChg>
+      </pc:sldChg>
+      <pc:sldChg chg="addSp delSp modSp mod">
+        <pc:chgData name="Anthony Tropiano" userId="233d3ea1253ce006" providerId="LiveId" clId="{FCAAE67C-AFFC-435C-AD9F-9AF171CD98BD}" dt="2021-05-31T15:18:56.072" v="356" actId="14100"/>
+        <pc:sldMkLst>
+          <pc:docMk/>
+          <pc:sldMk cId="446326257" sldId="358"/>
+        </pc:sldMkLst>
+        <pc:spChg chg="mod">
+          <ac:chgData name="Anthony Tropiano" userId="233d3ea1253ce006" providerId="LiveId" clId="{FCAAE67C-AFFC-435C-AD9F-9AF171CD98BD}" dt="2021-05-31T14:43:57.590" v="136" actId="20577"/>
+          <ac:spMkLst>
+            <pc:docMk/>
+            <pc:sldMk cId="446326257" sldId="358"/>
+            <ac:spMk id="2" creationId="{9FECE9C7-FBB0-B54D-8E92-C3BC6CA96ED2}"/>
+          </ac:spMkLst>
+        </pc:spChg>
+        <pc:spChg chg="mod">
+          <ac:chgData name="Anthony Tropiano" userId="233d3ea1253ce006" providerId="LiveId" clId="{FCAAE67C-AFFC-435C-AD9F-9AF171CD98BD}" dt="2021-05-31T15:18:56.072" v="356" actId="14100"/>
+          <ac:spMkLst>
+            <pc:docMk/>
+            <pc:sldMk cId="446326257" sldId="358"/>
+            <ac:spMk id="3" creationId="{2899578B-5CEC-4282-8D3D-7B2B5D2C2E20}"/>
+          </ac:spMkLst>
+        </pc:spChg>
+        <pc:spChg chg="mod">
+          <ac:chgData name="Anthony Tropiano" userId="233d3ea1253ce006" providerId="LiveId" clId="{FCAAE67C-AFFC-435C-AD9F-9AF171CD98BD}" dt="2021-05-31T15:08:59.453" v="219" actId="1076"/>
+          <ac:spMkLst>
+            <pc:docMk/>
+            <pc:sldMk cId="446326257" sldId="358"/>
+            <ac:spMk id="5" creationId="{772D440B-8140-0344-84AE-1B5F7859EC6A}"/>
+          </ac:spMkLst>
+        </pc:spChg>
+        <pc:spChg chg="mod ord">
+          <ac:chgData name="Anthony Tropiano" userId="233d3ea1253ce006" providerId="LiveId" clId="{FCAAE67C-AFFC-435C-AD9F-9AF171CD98BD}" dt="2021-05-31T15:09:40.504" v="228" actId="1076"/>
+          <ac:spMkLst>
+            <pc:docMk/>
+            <pc:sldMk cId="446326257" sldId="358"/>
+            <ac:spMk id="15" creationId="{CF9A9F44-02BB-4043-9135-6DF81ABEF644}"/>
+          </ac:spMkLst>
+        </pc:spChg>
+        <pc:spChg chg="mod">
+          <ac:chgData name="Anthony Tropiano" userId="233d3ea1253ce006" providerId="LiveId" clId="{FCAAE67C-AFFC-435C-AD9F-9AF171CD98BD}" dt="2021-05-31T15:09:52.934" v="231" actId="1076"/>
+          <ac:spMkLst>
+            <pc:docMk/>
+            <pc:sldMk cId="446326257" sldId="358"/>
+            <ac:spMk id="22" creationId="{F4B41857-73B8-49E8-AFDC-50C24BE32AC5}"/>
+          </ac:spMkLst>
+        </pc:spChg>
+        <pc:picChg chg="add mod ord">
+          <ac:chgData name="Anthony Tropiano" userId="233d3ea1253ce006" providerId="LiveId" clId="{FCAAE67C-AFFC-435C-AD9F-9AF171CD98BD}" dt="2021-05-31T15:08:52.923" v="217" actId="171"/>
+          <ac:picMkLst>
+            <pc:docMk/>
+            <pc:sldMk cId="446326257" sldId="358"/>
+            <ac:picMk id="8" creationId="{182C5F03-55AD-4635-B0AB-F3DAC92561B8}"/>
+          </ac:picMkLst>
+        </pc:picChg>
+        <pc:picChg chg="del">
+          <ac:chgData name="Anthony Tropiano" userId="233d3ea1253ce006" providerId="LiveId" clId="{FCAAE67C-AFFC-435C-AD9F-9AF171CD98BD}" dt="2021-05-31T15:08:55.744" v="218" actId="478"/>
+          <ac:picMkLst>
+            <pc:docMk/>
+            <pc:sldMk cId="446326257" sldId="358"/>
+            <ac:picMk id="9" creationId="{D76642D1-4BAD-4F6F-964E-D43DAC7A4D5C}"/>
+          </ac:picMkLst>
+        </pc:picChg>
+        <pc:cxnChg chg="mod">
+          <ac:chgData name="Anthony Tropiano" userId="233d3ea1253ce006" providerId="LiveId" clId="{FCAAE67C-AFFC-435C-AD9F-9AF171CD98BD}" dt="2021-05-31T15:09:45.489" v="229" actId="14100"/>
+          <ac:cxnSpMkLst>
+            <pc:docMk/>
+            <pc:sldMk cId="446326257" sldId="358"/>
+            <ac:cxnSpMk id="14" creationId="{9EC76581-7B67-4F1A-87BD-9F256256E0BE}"/>
+          </ac:cxnSpMkLst>
+        </pc:cxnChg>
+        <pc:cxnChg chg="mod">
+          <ac:chgData name="Anthony Tropiano" userId="233d3ea1253ce006" providerId="LiveId" clId="{FCAAE67C-AFFC-435C-AD9F-9AF171CD98BD}" dt="2021-05-31T15:09:50.807" v="230" actId="14100"/>
+          <ac:cxnSpMkLst>
+            <pc:docMk/>
+            <pc:sldMk cId="446326257" sldId="358"/>
+            <ac:cxnSpMk id="24" creationId="{7C47CD18-140B-4FB3-A64A-6497F0B7EDD8}"/>
+          </ac:cxnSpMkLst>
+        </pc:cxnChg>
+      </pc:sldChg>
+      <pc:sldChg chg="modSp mod">
+        <pc:chgData name="Anthony Tropiano" userId="233d3ea1253ce006" providerId="LiveId" clId="{FCAAE67C-AFFC-435C-AD9F-9AF171CD98BD}" dt="2021-05-31T13:30:34.180" v="7" actId="20577"/>
+        <pc:sldMkLst>
+          <pc:docMk/>
+          <pc:sldMk cId="3975718966" sldId="360"/>
+        </pc:sldMkLst>
+        <pc:spChg chg="mod">
+          <ac:chgData name="Anthony Tropiano" userId="233d3ea1253ce006" providerId="LiveId" clId="{FCAAE67C-AFFC-435C-AD9F-9AF171CD98BD}" dt="2021-05-31T13:30:34.180" v="7" actId="20577"/>
+          <ac:spMkLst>
+            <pc:docMk/>
+            <pc:sldMk cId="3975718966" sldId="360"/>
+            <ac:spMk id="10" creationId="{4C0DF36A-00A4-4D21-85DA-6ECEE64BC804}"/>
+          </ac:spMkLst>
+        </pc:spChg>
+      </pc:sldChg>
+    </pc:docChg>
+  </pc:docChgLst>
+</pc:chgInfo>
+</file>
+
 <file path=ppt/notesMasters/notesMaster1.xml><?xml version="1.0" encoding="utf-8"?>
 <p:notesMaster xmlns:a="http://schemas.openxmlformats.org/drawingml/2006/main" xmlns:r="http://schemas.openxmlformats.org/officeDocument/2006/relationships" xmlns:p="http://schemas.openxmlformats.org/presentationml/2006/main">
   <p:cSld>
@@ -222,7 +836,7 @@
           <a:p>
             <a:fld id="{D6262846-A322-4A91-AADC-BD2991192A7F}" type="datetimeFigureOut">
               <a:rPr lang="en-US" smtClean="0"/>
-              <a:t>5/31/21</a:t>
+              <a:t>5/31/2021</a:t>
             </a:fld>
             <a:endParaRPr lang="en-US"/>
           </a:p>
@@ -2717,9 +3331,9 @@
           <a:bodyPr/>
           <a:lstStyle/>
           <a:p>
-            <a:fld id="{83694952-25D0-48F3-B9A6-DDD173CFC10B}" type="datetime1">
+            <a:fld id="{FC1FED04-388D-410A-A665-E14242DC85E6}" type="datetime1">
               <a:rPr lang="en-US" smtClean="0"/>
-              <a:t>5/31/21</a:t>
+              <a:t>5/31/2021</a:t>
             </a:fld>
             <a:endParaRPr lang="en-US"/>
           </a:p>
@@ -2748,7 +3362,7 @@
           <a:p>
             <a:r>
               <a:rPr lang="en-US"/>
-              <a:t>Anthony Tropiano, APS April 2021 Meeting</a:t>
+              <a:t>Anthony Tropiano, NUCLEI 2021 Meeting</a:t>
             </a:r>
           </a:p>
         </p:txBody>
@@ -2918,9 +3532,9 @@
           <a:bodyPr/>
           <a:lstStyle/>
           <a:p>
-            <a:fld id="{76740533-62D0-4628-87B8-8B05CAED2D50}" type="datetime1">
+            <a:fld id="{856B85E3-FDD3-4A3F-8763-C265F3DB4E3D}" type="datetime1">
               <a:rPr lang="en-US" smtClean="0"/>
-              <a:t>5/31/21</a:t>
+              <a:t>5/31/2021</a:t>
             </a:fld>
             <a:endParaRPr lang="en-US"/>
           </a:p>
@@ -2949,7 +3563,7 @@
           <a:p>
             <a:r>
               <a:rPr lang="en-US"/>
-              <a:t>Anthony Tropiano, APS April 2021 Meeting</a:t>
+              <a:t>Anthony Tropiano, NUCLEI 2021 Meeting</a:t>
             </a:r>
           </a:p>
         </p:txBody>
@@ -3129,9 +3743,9 @@
           <a:bodyPr/>
           <a:lstStyle/>
           <a:p>
-            <a:fld id="{8699213E-46D9-4F85-A7A1-AC80546E79AC}" type="datetime1">
+            <a:fld id="{722A66D8-8E7A-4E22-BBC1-BC659DD3C778}" type="datetime1">
               <a:rPr lang="en-US" smtClean="0"/>
-              <a:t>5/31/21</a:t>
+              <a:t>5/31/2021</a:t>
             </a:fld>
             <a:endParaRPr lang="en-US"/>
           </a:p>
@@ -3160,7 +3774,7 @@
           <a:p>
             <a:r>
               <a:rPr lang="en-US"/>
-              <a:t>Anthony Tropiano, APS April 2021 Meeting</a:t>
+              <a:t>Anthony Tropiano, NUCLEI 2021 Meeting</a:t>
             </a:r>
           </a:p>
         </p:txBody>
@@ -3352,9 +3966,9 @@
           <a:bodyPr/>
           <a:lstStyle/>
           <a:p>
-            <a:fld id="{0EE1D429-401C-44CA-949A-BAE33D8092F6}" type="datetime1">
+            <a:fld id="{A6AD216D-7D59-4A7F-B917-368A6AA771D1}" type="datetime1">
               <a:rPr lang="en-US" smtClean="0"/>
-              <a:t>5/31/21</a:t>
+              <a:t>5/31/2021</a:t>
             </a:fld>
             <a:endParaRPr lang="en-US"/>
           </a:p>
@@ -3383,7 +3997,7 @@
           <a:p>
             <a:r>
               <a:rPr lang="en-US"/>
-              <a:t>Anthony Tropiano, APS April 2021 Meeting</a:t>
+              <a:t>Anthony Tropiano, NUCLEI 2021 Meeting</a:t>
             </a:r>
           </a:p>
         </p:txBody>
@@ -3553,9 +4167,9 @@
           <a:bodyPr/>
           <a:lstStyle/>
           <a:p>
-            <a:fld id="{9D252D0C-C2D9-4EF2-8A4F-175C25128BC0}" type="datetime1">
+            <a:fld id="{A303DA1B-F999-4E69-99FA-1CE3772F5BA5}" type="datetime1">
               <a:rPr lang="en-US" smtClean="0"/>
-              <a:t>5/31/21</a:t>
+              <a:t>5/31/2021</a:t>
             </a:fld>
             <a:endParaRPr lang="en-US"/>
           </a:p>
@@ -3584,7 +4198,7 @@
           <a:p>
             <a:r>
               <a:rPr lang="en-US"/>
-              <a:t>Anthony Tropiano, APS April 2021 Meeting</a:t>
+              <a:t>Anthony Tropiano, NUCLEI 2021 Meeting</a:t>
             </a:r>
           </a:p>
         </p:txBody>
@@ -3831,9 +4445,9 @@
           <a:bodyPr/>
           <a:lstStyle/>
           <a:p>
-            <a:fld id="{5EF3860C-0BFB-4C89-9590-B1B3623EDB0D}" type="datetime1">
+            <a:fld id="{BC6C999D-E676-4E45-9175-E80BE730AFA4}" type="datetime1">
               <a:rPr lang="en-US" smtClean="0"/>
-              <a:t>5/31/21</a:t>
+              <a:t>5/31/2021</a:t>
             </a:fld>
             <a:endParaRPr lang="en-US"/>
           </a:p>
@@ -3862,7 +4476,7 @@
           <a:p>
             <a:r>
               <a:rPr lang="en-US"/>
-              <a:t>Anthony Tropiano, APS April 2021 Meeting</a:t>
+              <a:t>Anthony Tropiano, NUCLEI 2021 Meeting</a:t>
             </a:r>
           </a:p>
         </p:txBody>
@@ -4099,9 +4713,9 @@
           <a:bodyPr/>
           <a:lstStyle/>
           <a:p>
-            <a:fld id="{E3EA9812-83DA-43A9-9B25-C52DC38DA199}" type="datetime1">
+            <a:fld id="{23A1BCF4-86ED-40A1-86A7-32B5D50E9F93}" type="datetime1">
               <a:rPr lang="en-US" smtClean="0"/>
-              <a:t>5/31/21</a:t>
+              <a:t>5/31/2021</a:t>
             </a:fld>
             <a:endParaRPr lang="en-US"/>
           </a:p>
@@ -4130,7 +4744,7 @@
           <a:p>
             <a:r>
               <a:rPr lang="en-US"/>
-              <a:t>Anthony Tropiano, APS April 2021 Meeting</a:t>
+              <a:t>Anthony Tropiano, NUCLEI 2021 Meeting</a:t>
             </a:r>
           </a:p>
         </p:txBody>
@@ -4514,9 +5128,9 @@
           <a:bodyPr/>
           <a:lstStyle/>
           <a:p>
-            <a:fld id="{CD2412D8-3B3C-40E7-8FE0-4BC82A5431F2}" type="datetime1">
+            <a:fld id="{A9F9FAEC-7120-4131-91B0-7600C665D34A}" type="datetime1">
               <a:rPr lang="en-US" smtClean="0"/>
-              <a:t>5/31/21</a:t>
+              <a:t>5/31/2021</a:t>
             </a:fld>
             <a:endParaRPr lang="en-US"/>
           </a:p>
@@ -4545,7 +5159,7 @@
           <a:p>
             <a:r>
               <a:rPr lang="en-US"/>
-              <a:t>Anthony Tropiano, APS April 2021 Meeting</a:t>
+              <a:t>Anthony Tropiano, NUCLEI 2021 Meeting</a:t>
             </a:r>
           </a:p>
         </p:txBody>
@@ -4658,9 +5272,9 @@
           <a:bodyPr/>
           <a:lstStyle/>
           <a:p>
-            <a:fld id="{90A11436-E252-48AF-ACF1-AC7DD58761FA}" type="datetime1">
+            <a:fld id="{B247B85E-64B9-43BE-AE29-B422BBA0E858}" type="datetime1">
               <a:rPr lang="en-US" smtClean="0"/>
-              <a:t>5/31/21</a:t>
+              <a:t>5/31/2021</a:t>
             </a:fld>
             <a:endParaRPr lang="en-US"/>
           </a:p>
@@ -4689,7 +5303,7 @@
           <a:p>
             <a:r>
               <a:rPr lang="en-US"/>
-              <a:t>Anthony Tropiano, APS April 2021 Meeting</a:t>
+              <a:t>Anthony Tropiano, NUCLEI 2021 Meeting</a:t>
             </a:r>
           </a:p>
         </p:txBody>
@@ -4774,9 +5388,9 @@
           <a:bodyPr/>
           <a:lstStyle/>
           <a:p>
-            <a:fld id="{EB098BCE-4D4A-4908-A9D9-BE2909934289}" type="datetime1">
+            <a:fld id="{1B611B8C-FD49-4646-9FB0-3CB2922F548E}" type="datetime1">
               <a:rPr lang="en-US" smtClean="0"/>
-              <a:t>5/31/21</a:t>
+              <a:t>5/31/2021</a:t>
             </a:fld>
             <a:endParaRPr lang="en-US"/>
           </a:p>
@@ -4805,7 +5419,7 @@
           <a:p>
             <a:r>
               <a:rPr lang="en-US"/>
-              <a:t>Anthony Tropiano, APS April 2021 Meeting</a:t>
+              <a:t>Anthony Tropiano, NUCLEI 2021 Meeting</a:t>
             </a:r>
           </a:p>
         </p:txBody>
@@ -5088,9 +5702,9 @@
           <a:bodyPr/>
           <a:lstStyle/>
           <a:p>
-            <a:fld id="{1E694CEE-F3C9-422B-BA59-418B095FE11F}" type="datetime1">
+            <a:fld id="{89325260-0D0F-4914-839B-D20472212676}" type="datetime1">
               <a:rPr lang="en-US" smtClean="0"/>
-              <a:t>5/31/21</a:t>
+              <a:t>5/31/2021</a:t>
             </a:fld>
             <a:endParaRPr lang="en-US"/>
           </a:p>
@@ -5119,7 +5733,7 @@
           <a:p>
             <a:r>
               <a:rPr lang="en-US"/>
-              <a:t>Anthony Tropiano, APS April 2021 Meeting</a:t>
+              <a:t>Anthony Tropiano, NUCLEI 2021 Meeting</a:t>
             </a:r>
           </a:p>
         </p:txBody>
@@ -5289,9 +5903,9 @@
           <a:bodyPr/>
           <a:lstStyle/>
           <a:p>
-            <a:fld id="{132F27D5-9D01-4C9A-BAB7-31C96A19A7B4}" type="datetime1">
+            <a:fld id="{9CC3B546-0499-42FA-9D44-8F6B08AE3C90}" type="datetime1">
               <a:rPr lang="en-US" smtClean="0"/>
-              <a:t>5/31/21</a:t>
+              <a:t>5/31/2021</a:t>
             </a:fld>
             <a:endParaRPr lang="en-US"/>
           </a:p>
@@ -5320,7 +5934,7 @@
           <a:p>
             <a:r>
               <a:rPr lang="en-US"/>
-              <a:t>Anthony Tropiano, APS April 2021 Meeting</a:t>
+              <a:t>Anthony Tropiano, NUCLEI 2021 Meeting</a:t>
             </a:r>
           </a:p>
         </p:txBody>
@@ -5583,9 +6197,9 @@
           <a:bodyPr/>
           <a:lstStyle/>
           <a:p>
-            <a:fld id="{63086888-0649-4903-A156-E553867CDA81}" type="datetime1">
+            <a:fld id="{B81812BE-3472-47F2-BF26-18685A7C56F6}" type="datetime1">
               <a:rPr lang="en-US" smtClean="0"/>
-              <a:t>5/31/21</a:t>
+              <a:t>5/31/2021</a:t>
             </a:fld>
             <a:endParaRPr lang="en-US"/>
           </a:p>
@@ -5614,7 +6228,7 @@
           <a:p>
             <a:r>
               <a:rPr lang="en-US"/>
-              <a:t>Anthony Tropiano, APS April 2021 Meeting</a:t>
+              <a:t>Anthony Tropiano, NUCLEI 2021 Meeting</a:t>
             </a:r>
           </a:p>
         </p:txBody>
@@ -5784,9 +6398,9 @@
           <a:bodyPr/>
           <a:lstStyle/>
           <a:p>
-            <a:fld id="{582833AB-F88C-40CB-B989-3E1E77646775}" type="datetime1">
+            <a:fld id="{18A87C95-A9A9-4012-BBE3-9041C38DF315}" type="datetime1">
               <a:rPr lang="en-US" smtClean="0"/>
-              <a:t>5/31/21</a:t>
+              <a:t>5/31/2021</a:t>
             </a:fld>
             <a:endParaRPr lang="en-US"/>
           </a:p>
@@ -5815,7 +6429,7 @@
           <a:p>
             <a:r>
               <a:rPr lang="en-US"/>
-              <a:t>Anthony Tropiano, APS April 2021 Meeting</a:t>
+              <a:t>Anthony Tropiano, NUCLEI 2021 Meeting</a:t>
             </a:r>
           </a:p>
         </p:txBody>
@@ -5995,9 +6609,9 @@
           <a:bodyPr/>
           <a:lstStyle/>
           <a:p>
-            <a:fld id="{1DB0E0E5-782A-4B23-8A53-F1C789AB7E0B}" type="datetime1">
+            <a:fld id="{6F2349E6-156D-4BA7-9DD6-6FA82AD0779F}" type="datetime1">
               <a:rPr lang="en-US" smtClean="0"/>
-              <a:t>5/31/21</a:t>
+              <a:t>5/31/2021</a:t>
             </a:fld>
             <a:endParaRPr lang="en-US"/>
           </a:p>
@@ -6026,7 +6640,7 @@
           <a:p>
             <a:r>
               <a:rPr lang="en-US"/>
-              <a:t>Anthony Tropiano, APS April 2021 Meeting</a:t>
+              <a:t>Anthony Tropiano, NUCLEI 2021 Meeting</a:t>
             </a:r>
           </a:p>
         </p:txBody>
@@ -6273,9 +6887,9 @@
           <a:bodyPr/>
           <a:lstStyle/>
           <a:p>
-            <a:fld id="{C02D90CC-BB54-423D-BF89-BBB7066663F7}" type="datetime1">
+            <a:fld id="{7A0AF4C6-962C-4BD3-B281-8FC47A57A83D}" type="datetime1">
               <a:rPr lang="en-US" smtClean="0"/>
-              <a:t>5/31/21</a:t>
+              <a:t>5/31/2021</a:t>
             </a:fld>
             <a:endParaRPr lang="en-US"/>
           </a:p>
@@ -6304,7 +6918,7 @@
           <a:p>
             <a:r>
               <a:rPr lang="en-US"/>
-              <a:t>Anthony Tropiano, APS April 2021 Meeting</a:t>
+              <a:t>Anthony Tropiano, NUCLEI 2021 Meeting</a:t>
             </a:r>
           </a:p>
         </p:txBody>
@@ -6541,9 +7155,9 @@
           <a:bodyPr/>
           <a:lstStyle/>
           <a:p>
-            <a:fld id="{D51A8861-A898-447A-A3E7-FCBDC8A3AE97}" type="datetime1">
+            <a:fld id="{04EF960B-D9C1-4F1C-8EA6-D052E7F487B2}" type="datetime1">
               <a:rPr lang="en-US" smtClean="0"/>
-              <a:t>5/31/21</a:t>
+              <a:t>5/31/2021</a:t>
             </a:fld>
             <a:endParaRPr lang="en-US"/>
           </a:p>
@@ -6572,7 +7186,7 @@
           <a:p>
             <a:r>
               <a:rPr lang="en-US"/>
-              <a:t>Anthony Tropiano, APS April 2021 Meeting</a:t>
+              <a:t>Anthony Tropiano, NUCLEI 2021 Meeting</a:t>
             </a:r>
           </a:p>
         </p:txBody>
@@ -6956,9 +7570,9 @@
           <a:bodyPr/>
           <a:lstStyle/>
           <a:p>
-            <a:fld id="{60F14AFA-7BCD-4FC1-831C-FD67ABE00F70}" type="datetime1">
+            <a:fld id="{D71C6406-26D4-468E-93D2-CE85D1EDF798}" type="datetime1">
               <a:rPr lang="en-US" smtClean="0"/>
-              <a:t>5/31/21</a:t>
+              <a:t>5/31/2021</a:t>
             </a:fld>
             <a:endParaRPr lang="en-US"/>
           </a:p>
@@ -6987,7 +7601,7 @@
           <a:p>
             <a:r>
               <a:rPr lang="en-US"/>
-              <a:t>Anthony Tropiano, APS April 2021 Meeting</a:t>
+              <a:t>Anthony Tropiano, NUCLEI 2021 Meeting</a:t>
             </a:r>
           </a:p>
         </p:txBody>
@@ -7100,9 +7714,9 @@
           <a:bodyPr/>
           <a:lstStyle/>
           <a:p>
-            <a:fld id="{7778E428-A6A5-4EEE-8780-F0B6EEFB83D5}" type="datetime1">
+            <a:fld id="{9D412F2F-3F11-4A6C-A0F0-FD7A21F242EC}" type="datetime1">
               <a:rPr lang="en-US" smtClean="0"/>
-              <a:t>5/31/21</a:t>
+              <a:t>5/31/2021</a:t>
             </a:fld>
             <a:endParaRPr lang="en-US"/>
           </a:p>
@@ -7131,7 +7745,7 @@
           <a:p>
             <a:r>
               <a:rPr lang="en-US"/>
-              <a:t>Anthony Tropiano, APS April 2021 Meeting</a:t>
+              <a:t>Anthony Tropiano, NUCLEI 2021 Meeting</a:t>
             </a:r>
           </a:p>
         </p:txBody>
@@ -7216,9 +7830,9 @@
           <a:bodyPr/>
           <a:lstStyle/>
           <a:p>
-            <a:fld id="{EC6A4D24-3E18-47B6-8215-733C9684F273}" type="datetime1">
+            <a:fld id="{8CBFE044-556D-4073-8297-E5E2436291C0}" type="datetime1">
               <a:rPr lang="en-US" smtClean="0"/>
-              <a:t>5/31/21</a:t>
+              <a:t>5/31/2021</a:t>
             </a:fld>
             <a:endParaRPr lang="en-US"/>
           </a:p>
@@ -7247,7 +7861,7 @@
           <a:p>
             <a:r>
               <a:rPr lang="en-US"/>
-              <a:t>Anthony Tropiano, APS April 2021 Meeting</a:t>
+              <a:t>Anthony Tropiano, NUCLEI 2021 Meeting</a:t>
             </a:r>
           </a:p>
         </p:txBody>
@@ -7530,9 +8144,9 @@
           <a:bodyPr/>
           <a:lstStyle/>
           <a:p>
-            <a:fld id="{EBD75FB1-F39C-4721-9FBE-5CF18B3498DF}" type="datetime1">
+            <a:fld id="{AFC46207-BCE1-44EF-A79B-771210D6A754}" type="datetime1">
               <a:rPr lang="en-US" smtClean="0"/>
-              <a:t>5/31/21</a:t>
+              <a:t>5/31/2021</a:t>
             </a:fld>
             <a:endParaRPr lang="en-US"/>
           </a:p>
@@ -7561,7 +8175,7 @@
           <a:p>
             <a:r>
               <a:rPr lang="en-US"/>
-              <a:t>Anthony Tropiano, APS April 2021 Meeting</a:t>
+              <a:t>Anthony Tropiano, NUCLEI 2021 Meeting</a:t>
             </a:r>
           </a:p>
         </p:txBody>
@@ -7824,9 +8438,9 @@
           <a:bodyPr/>
           <a:lstStyle/>
           <a:p>
-            <a:fld id="{B60509DC-8019-490A-A5C6-1E9B38F9A4ED}" type="datetime1">
+            <a:fld id="{269C1E1C-AC9E-42BA-B7CA-59A587E3E00F}" type="datetime1">
               <a:rPr lang="en-US" smtClean="0"/>
-              <a:t>5/31/21</a:t>
+              <a:t>5/31/2021</a:t>
             </a:fld>
             <a:endParaRPr lang="en-US"/>
           </a:p>
@@ -7855,7 +8469,7 @@
           <a:p>
             <a:r>
               <a:rPr lang="en-US"/>
-              <a:t>Anthony Tropiano, APS April 2021 Meeting</a:t>
+              <a:t>Anthony Tropiano, NUCLEI 2021 Meeting</a:t>
             </a:r>
           </a:p>
         </p:txBody>
@@ -8071,9 +8685,9 @@
             </a:lvl1pPr>
           </a:lstStyle>
           <a:p>
-            <a:fld id="{2E1A0A7A-E6E7-4480-AADD-98CCD889893F}" type="datetime1">
+            <a:fld id="{63CF8C20-61BB-4A3E-B590-FA17A677BF79}" type="datetime1">
               <a:rPr lang="en-US" smtClean="0"/>
-              <a:t>5/31/21</a:t>
+              <a:t>5/31/2021</a:t>
             </a:fld>
             <a:endParaRPr lang="en-US" dirty="0"/>
           </a:p>
@@ -8121,7 +8735,7 @@
           <a:p>
             <a:r>
               <a:rPr lang="en-US"/>
-              <a:t>Anthony Tropiano, APS April 2021 Meeting</a:t>
+              <a:t>Anthony Tropiano, NUCLEI 2021 Meeting</a:t>
             </a:r>
             <a:endParaRPr lang="en-US" dirty="0"/>
           </a:p>
@@ -8650,9 +9264,9 @@
             </a:lvl1pPr>
           </a:lstStyle>
           <a:p>
-            <a:fld id="{0DD3B7D1-4027-4C3A-9F2D-D21C2FB6AED5}" type="datetime1">
+            <a:fld id="{16B6F2F9-C607-4720-87F9-6AD1246ADE76}" type="datetime1">
               <a:rPr lang="en-US" smtClean="0"/>
-              <a:t>5/31/21</a:t>
+              <a:t>5/31/2021</a:t>
             </a:fld>
             <a:endParaRPr lang="en-US" dirty="0"/>
           </a:p>
@@ -8700,7 +9314,7 @@
           <a:p>
             <a:r>
               <a:rPr lang="en-US"/>
-              <a:t>Anthony Tropiano, APS April 2021 Meeting</a:t>
+              <a:t>Anthony Tropiano, NUCLEI 2021 Meeting</a:t>
             </a:r>
             <a:endParaRPr lang="en-US" dirty="0"/>
           </a:p>
@@ -10782,7 +11396,7 @@
           <a:p>
             <a:r>
               <a:rPr lang="en-US"/>
-              <a:t>Anthony Tropiano, APS April 2021 Meeting</a:t>
+              <a:t>Anthony Tropiano, NUCLEI 2021 Meeting</a:t>
             </a:r>
           </a:p>
         </p:txBody>
@@ -11447,47 +12061,11 @@
           <a:p>
             <a:r>
               <a:rPr lang="en-US"/>
-              <a:t>Anthony Tropiano, APS April 2021 Meeting</a:t>
+              <a:t>Anthony Tropiano, NUCLEI 2021 Meeting</a:t>
             </a:r>
           </a:p>
         </p:txBody>
       </p:sp>
-      <p:pic>
-        <p:nvPicPr>
-          <p:cNvPr id="8" name="Picture 7" descr="Chart&#10;&#10;Description automatically generated with medium confidence">
-            <a:extLst>
-              <a:ext uri="{FF2B5EF4-FFF2-40B4-BE49-F238E27FC236}">
-                <a16:creationId xmlns:a16="http://schemas.microsoft.com/office/drawing/2014/main" id="{8558FB7A-92D8-4BB8-94BF-F7247ABF029A}"/>
-              </a:ext>
-            </a:extLst>
-          </p:cNvPr>
-          <p:cNvPicPr>
-            <a:picLocks noChangeAspect="1"/>
-          </p:cNvPicPr>
-          <p:nvPr/>
-        </p:nvPicPr>
-        <p:blipFill>
-          <a:blip r:embed="rId4">
-            <a:extLst>
-              <a:ext uri="{28A0092B-C50C-407E-A947-70E740481C1C}">
-                <a14:useLocalDpi xmlns:a14="http://schemas.microsoft.com/office/drawing/2010/main" val="0"/>
-              </a:ext>
-            </a:extLst>
-          </a:blip>
-          <a:stretch>
-            <a:fillRect/>
-          </a:stretch>
-        </p:blipFill>
-        <p:spPr>
-          <a:xfrm>
-            <a:off x="0" y="1330643"/>
-            <a:ext cx="5183257" cy="4846320"/>
-          </a:xfrm>
-          <a:prstGeom prst="rect">
-            <a:avLst/>
-          </a:prstGeom>
-        </p:spPr>
-      </p:pic>
       <mc:AlternateContent xmlns:mc="http://schemas.openxmlformats.org/markup-compatibility/2006" xmlns:a14="http://schemas.microsoft.com/office/drawing/2010/main">
         <mc:Choice Requires="a14">
           <p:sp>
@@ -11622,6 +12200,42 @@
           </p:sp>
         </mc:Fallback>
       </mc:AlternateContent>
+      <p:pic>
+        <p:nvPicPr>
+          <p:cNvPr id="11" name="Picture 10" descr="Chart, line chart&#10;&#10;Description automatically generated">
+            <a:extLst>
+              <a:ext uri="{FF2B5EF4-FFF2-40B4-BE49-F238E27FC236}">
+                <a16:creationId xmlns:a16="http://schemas.microsoft.com/office/drawing/2014/main" id="{408245BD-FF2F-4787-A4D3-32D373812A95}"/>
+              </a:ext>
+            </a:extLst>
+          </p:cNvPr>
+          <p:cNvPicPr>
+            <a:picLocks noChangeAspect="1"/>
+          </p:cNvPicPr>
+          <p:nvPr/>
+        </p:nvPicPr>
+        <p:blipFill>
+          <a:blip r:embed="rId6">
+            <a:extLst>
+              <a:ext uri="{28A0092B-C50C-407E-A947-70E740481C1C}">
+                <a14:useLocalDpi xmlns:a14="http://schemas.microsoft.com/office/drawing/2010/main" val="0"/>
+              </a:ext>
+            </a:extLst>
+          </a:blip>
+          <a:stretch>
+            <a:fillRect/>
+          </a:stretch>
+        </p:blipFill>
+        <p:spPr>
+          <a:xfrm>
+            <a:off x="0" y="1325238"/>
+            <a:ext cx="5113288" cy="4846320"/>
+          </a:xfrm>
+          <a:prstGeom prst="rect">
+            <a:avLst/>
+          </a:prstGeom>
+        </p:spPr>
+      </p:pic>
     </p:spTree>
     <p:extLst>
       <p:ext uri="{BB962C8B-B14F-4D97-AF65-F5344CB8AC3E}">
@@ -12584,7 +13198,7 @@
           <a:p>
             <a:r>
               <a:rPr lang="en-US"/>
-              <a:t>Anthony Tropiano, APS April 2021 Meeting</a:t>
+              <a:t>Anthony Tropiano, NUCLEI 2021 Meeting</a:t>
             </a:r>
           </a:p>
         </p:txBody>
@@ -12761,10 +13375,10 @@
       </p:pic>
       <p:pic>
         <p:nvPicPr>
-          <p:cNvPr id="11" name="Picture 10" descr="Chart, line chart&#10;&#10;Description automatically generated">
+          <p:cNvPr id="12" name="Picture 11" descr="Chart, line chart&#10;&#10;Description automatically generated">
             <a:extLst>
               <a:ext uri="{FF2B5EF4-FFF2-40B4-BE49-F238E27FC236}">
-                <a16:creationId xmlns:a16="http://schemas.microsoft.com/office/drawing/2014/main" id="{166A3E21-C887-47AC-B31D-397F548704C6}"/>
+                <a16:creationId xmlns:a16="http://schemas.microsoft.com/office/drawing/2014/main" id="{50042DF0-7FD5-4B90-9E5D-7D2870FDF860}"/>
               </a:ext>
             </a:extLst>
           </p:cNvPr>
@@ -12787,8 +13401,8 @@
         </p:blipFill>
         <p:spPr>
           <a:xfrm>
-            <a:off x="-1" y="1325238"/>
-            <a:ext cx="5183257" cy="4846320"/>
+            <a:off x="-2" y="1325238"/>
+            <a:ext cx="5113288" cy="4846320"/>
           </a:xfrm>
           <a:prstGeom prst="rect">
             <a:avLst/>
@@ -14155,7 +14769,7 @@
           <a:p>
             <a:r>
               <a:rPr lang="en-US"/>
-              <a:t>Anthony Tropiano, APS April 2021 Meeting</a:t>
+              <a:t>Anthony Tropiano, NUCLEI 2021 Meeting</a:t>
             </a:r>
           </a:p>
         </p:txBody>
@@ -14332,10 +14946,10 @@
       </p:pic>
       <p:pic>
         <p:nvPicPr>
-          <p:cNvPr id="12" name="Picture 11" descr="Chart, histogram&#10;&#10;Description automatically generated">
+          <p:cNvPr id="7" name="Picture 6" descr="Chart&#10;&#10;Description automatically generated">
             <a:extLst>
               <a:ext uri="{FF2B5EF4-FFF2-40B4-BE49-F238E27FC236}">
-                <a16:creationId xmlns:a16="http://schemas.microsoft.com/office/drawing/2014/main" id="{BFC64F92-B78B-48E8-B59E-B66D87D70F97}"/>
+                <a16:creationId xmlns:a16="http://schemas.microsoft.com/office/drawing/2014/main" id="{5A103312-47AC-4A86-A69B-C456B653E32A}"/>
               </a:ext>
             </a:extLst>
           </p:cNvPr>
@@ -14358,8 +14972,8 @@
         </p:blipFill>
         <p:spPr>
           <a:xfrm>
-            <a:off x="-1" y="1325238"/>
-            <a:ext cx="5183257" cy="4846320"/>
+            <a:off x="-2" y="1330643"/>
+            <a:ext cx="5113288" cy="4846320"/>
           </a:xfrm>
           <a:prstGeom prst="rect">
             <a:avLst/>
@@ -16054,7 +16668,7 @@
           <a:p>
             <a:r>
               <a:rPr lang="en-US"/>
-              <a:t>Anthony Tropiano, APS April 2021 Meeting</a:t>
+              <a:t>Anthony Tropiano, NUCLEI 2021 Meeting</a:t>
             </a:r>
           </a:p>
         </p:txBody>
@@ -16231,10 +16845,10 @@
       </p:pic>
       <p:pic>
         <p:nvPicPr>
-          <p:cNvPr id="13" name="Picture 12" descr="Chart, line chart&#10;&#10;Description automatically generated">
+          <p:cNvPr id="7" name="Picture 6" descr="Chart, line chart&#10;&#10;Description automatically generated">
             <a:extLst>
               <a:ext uri="{FF2B5EF4-FFF2-40B4-BE49-F238E27FC236}">
-                <a16:creationId xmlns:a16="http://schemas.microsoft.com/office/drawing/2014/main" id="{8F21E53A-79F4-42E2-ACBC-FBD48823E700}"/>
+                <a16:creationId xmlns:a16="http://schemas.microsoft.com/office/drawing/2014/main" id="{DFA318B9-913F-4D87-81BF-687D886C4780}"/>
               </a:ext>
             </a:extLst>
           </p:cNvPr>
@@ -16257,8 +16871,8 @@
         </p:blipFill>
         <p:spPr>
           <a:xfrm>
-            <a:off x="-1" y="1325238"/>
-            <a:ext cx="5183257" cy="4846320"/>
+            <a:off x="-2" y="1330643"/>
+            <a:ext cx="5113288" cy="4846320"/>
           </a:xfrm>
           <a:prstGeom prst="rect">
             <a:avLst/>
@@ -16456,7 +17070,7 @@
           <a:p>
             <a:r>
               <a:rPr lang="en-US"/>
-              <a:t>Anthony Tropiano, APS April 2021 Meeting</a:t>
+              <a:t>Anthony Tropiano, NUCLEI 2021 Meeting</a:t>
             </a:r>
           </a:p>
         </p:txBody>
@@ -17477,10 +18091,10 @@
       </mc:AlternateContent>
       <p:pic>
         <p:nvPicPr>
-          <p:cNvPr id="12" name="Picture 11" descr="Chart, line chart&#10;&#10;Description automatically generated">
+          <p:cNvPr id="8" name="Picture 7" descr="Chart, line chart&#10;&#10;Description automatically generated">
             <a:extLst>
               <a:ext uri="{FF2B5EF4-FFF2-40B4-BE49-F238E27FC236}">
-                <a16:creationId xmlns:a16="http://schemas.microsoft.com/office/drawing/2014/main" id="{1BDF93BD-03DF-4845-8EB9-67CFC7060331}"/>
+                <a16:creationId xmlns:a16="http://schemas.microsoft.com/office/drawing/2014/main" id="{DD83E321-3268-4A6C-BB51-14BD77254E8F}"/>
               </a:ext>
             </a:extLst>
           </p:cNvPr>
@@ -17503,8 +18117,8 @@
         </p:blipFill>
         <p:spPr>
           <a:xfrm>
-            <a:off x="-1" y="1325238"/>
-            <a:ext cx="5183257" cy="4846320"/>
+            <a:off x="-2" y="1330643"/>
+            <a:ext cx="5113288" cy="4846320"/>
           </a:xfrm>
           <a:prstGeom prst="rect">
             <a:avLst/>
@@ -17702,7 +18316,7 @@
           <a:p>
             <a:r>
               <a:rPr lang="en-US"/>
-              <a:t>Anthony Tropiano, APS April 2021 Meeting</a:t>
+              <a:t>Anthony Tropiano, NUCLEI 2021 Meeting</a:t>
             </a:r>
           </a:p>
         </p:txBody>
@@ -19929,10 +20543,10 @@
       </mc:AlternateContent>
       <p:pic>
         <p:nvPicPr>
-          <p:cNvPr id="16" name="Picture 15" descr="Chart, line chart&#10;&#10;Description automatically generated">
+          <p:cNvPr id="12" name="Picture 11" descr="Chart, line chart&#10;&#10;Description automatically generated">
             <a:extLst>
               <a:ext uri="{FF2B5EF4-FFF2-40B4-BE49-F238E27FC236}">
-                <a16:creationId xmlns:a16="http://schemas.microsoft.com/office/drawing/2014/main" id="{A1BA9114-26E3-46F7-A818-0BD17E039ABF}"/>
+                <a16:creationId xmlns:a16="http://schemas.microsoft.com/office/drawing/2014/main" id="{34EB86F1-E8ED-4F02-955B-5406DB54B935}"/>
               </a:ext>
             </a:extLst>
           </p:cNvPr>
@@ -19955,8 +20569,8 @@
         </p:blipFill>
         <p:spPr>
           <a:xfrm>
-            <a:off x="-1" y="1325238"/>
-            <a:ext cx="5183257" cy="4846320"/>
+            <a:off x="-2" y="1330643"/>
+            <a:ext cx="5113288" cy="4846320"/>
           </a:xfrm>
           <a:prstGeom prst="rect">
             <a:avLst/>
@@ -20154,7 +20768,7 @@
           <a:p>
             <a:r>
               <a:rPr lang="en-US"/>
-              <a:t>Anthony Tropiano, APS April 2021 Meeting</a:t>
+              <a:t>Anthony Tropiano, NUCLEI 2021 Meeting</a:t>
             </a:r>
           </a:p>
         </p:txBody>
@@ -23064,10 +23678,10 @@
       </mc:AlternateContent>
       <p:pic>
         <p:nvPicPr>
-          <p:cNvPr id="16" name="Picture 15" descr="Chart, line chart&#10;&#10;Description automatically generated">
+          <p:cNvPr id="12" name="Picture 11" descr="Chart, line chart&#10;&#10;Description automatically generated">
             <a:extLst>
               <a:ext uri="{FF2B5EF4-FFF2-40B4-BE49-F238E27FC236}">
-                <a16:creationId xmlns:a16="http://schemas.microsoft.com/office/drawing/2014/main" id="{3336FE8D-4F2B-4FE8-A73F-DED9E8E90FD9}"/>
+                <a16:creationId xmlns:a16="http://schemas.microsoft.com/office/drawing/2014/main" id="{5C6EB421-4587-4CCB-B699-44225F813F24}"/>
               </a:ext>
             </a:extLst>
           </p:cNvPr>
@@ -23090,8 +23704,8 @@
         </p:blipFill>
         <p:spPr>
           <a:xfrm>
-            <a:off x="-1" y="1325238"/>
-            <a:ext cx="5183257" cy="4846320"/>
+            <a:off x="-2" y="1330643"/>
+            <a:ext cx="5113288" cy="4846320"/>
           </a:xfrm>
           <a:prstGeom prst="rect">
             <a:avLst/>
@@ -23130,10 +23744,10 @@
       </p:grpSpPr>
       <p:pic>
         <p:nvPicPr>
-          <p:cNvPr id="7" name="Picture 6" descr="Chart&#10;&#10;Description automatically generated">
+          <p:cNvPr id="10" name="Picture 9" descr="Chart, histogram&#10;&#10;Description automatically generated">
             <a:extLst>
               <a:ext uri="{FF2B5EF4-FFF2-40B4-BE49-F238E27FC236}">
-                <a16:creationId xmlns:a16="http://schemas.microsoft.com/office/drawing/2014/main" id="{7636F6F1-EE52-45DE-8A2A-21876B15C091}"/>
+                <a16:creationId xmlns:a16="http://schemas.microsoft.com/office/drawing/2014/main" id="{BF459289-34A5-4B2D-B3B9-8171E8E92AD0}"/>
               </a:ext>
             </a:extLst>
           </p:cNvPr>
@@ -23157,7 +23771,7 @@
         <p:spPr>
           <a:xfrm>
             <a:off x="6574883" y="1554480"/>
-            <a:ext cx="5617117" cy="5303520"/>
+            <a:ext cx="5592241" cy="5303520"/>
           </a:xfrm>
           <a:prstGeom prst="rect">
             <a:avLst/>
@@ -23196,7 +23810,7 @@
                   <a:srgbClr val="002060"/>
                 </a:solidFill>
               </a:rPr>
-              <a:t>Preliminary LDA results</a:t>
+              <a:t>LDA results</a:t>
             </a:r>
             <a:endParaRPr lang="en-US" dirty="0">
               <a:solidFill>
@@ -23594,7 +24208,7 @@
           <a:p>
             <a:r>
               <a:rPr lang="en-US"/>
-              <a:t>Anthony Tropiano, APS April 2021 Meeting</a:t>
+              <a:t>Anthony Tropiano, NUCLEI 2021 Meeting</a:t>
             </a:r>
           </a:p>
         </p:txBody>
@@ -23922,10 +24536,10 @@
       </p:grpSpPr>
       <p:pic>
         <p:nvPicPr>
-          <p:cNvPr id="8" name="Picture 7" descr="Chart, histogram&#10;&#10;Description automatically generated">
+          <p:cNvPr id="7" name="Picture 6" descr="A picture containing text, map, different&#10;&#10;Description automatically generated">
             <a:extLst>
               <a:ext uri="{FF2B5EF4-FFF2-40B4-BE49-F238E27FC236}">
-                <a16:creationId xmlns:a16="http://schemas.microsoft.com/office/drawing/2014/main" id="{DB856DB1-6162-4C7A-B090-B1D6781545ED}"/>
+                <a16:creationId xmlns:a16="http://schemas.microsoft.com/office/drawing/2014/main" id="{811DB2A1-53C9-4E7D-BAD6-CAC8F1A016B1}"/>
               </a:ext>
             </a:extLst>
           </p:cNvPr>
@@ -23948,80 +24562,8 @@
         </p:blipFill>
         <p:spPr>
           <a:xfrm>
-            <a:off x="129519" y="2974714"/>
-            <a:ext cx="3726187" cy="3518161"/>
-          </a:xfrm>
-          <a:prstGeom prst="rect">
-            <a:avLst/>
-          </a:prstGeom>
-        </p:spPr>
-      </p:pic>
-      <p:pic>
-        <p:nvPicPr>
-          <p:cNvPr id="11" name="Picture 10" descr="Chart&#10;&#10;Description automatically generated">
-            <a:extLst>
-              <a:ext uri="{FF2B5EF4-FFF2-40B4-BE49-F238E27FC236}">
-                <a16:creationId xmlns:a16="http://schemas.microsoft.com/office/drawing/2014/main" id="{BD7E94C9-E81A-4385-9047-DB3206344E80}"/>
-              </a:ext>
-            </a:extLst>
-          </p:cNvPr>
-          <p:cNvPicPr>
-            <a:picLocks noChangeAspect="1"/>
-          </p:cNvPicPr>
-          <p:nvPr/>
-        </p:nvPicPr>
-        <p:blipFill>
-          <a:blip r:embed="rId4">
-            <a:extLst>
-              <a:ext uri="{28A0092B-C50C-407E-A947-70E740481C1C}">
-                <a14:useLocalDpi xmlns:a14="http://schemas.microsoft.com/office/drawing/2010/main" val="0"/>
-              </a:ext>
-            </a:extLst>
-          </a:blip>
-          <a:stretch>
-            <a:fillRect/>
-          </a:stretch>
-        </p:blipFill>
-        <p:spPr>
-          <a:xfrm>
-            <a:off x="7627613" y="2996114"/>
-            <a:ext cx="3726187" cy="3518161"/>
-          </a:xfrm>
-          <a:prstGeom prst="rect">
-            <a:avLst/>
-          </a:prstGeom>
-        </p:spPr>
-      </p:pic>
-      <p:pic>
-        <p:nvPicPr>
-          <p:cNvPr id="13" name="Picture 12" descr="Chart, histogram&#10;&#10;Description automatically generated">
-            <a:extLst>
-              <a:ext uri="{FF2B5EF4-FFF2-40B4-BE49-F238E27FC236}">
-                <a16:creationId xmlns:a16="http://schemas.microsoft.com/office/drawing/2014/main" id="{7BEE01CE-3F7D-4185-801D-FF1236B3F973}"/>
-              </a:ext>
-            </a:extLst>
-          </p:cNvPr>
-          <p:cNvPicPr>
-            <a:picLocks noChangeAspect="1"/>
-          </p:cNvPicPr>
-          <p:nvPr/>
-        </p:nvPicPr>
-        <p:blipFill>
-          <a:blip r:embed="rId5">
-            <a:extLst>
-              <a:ext uri="{28A0092B-C50C-407E-A947-70E740481C1C}">
-                <a14:useLocalDpi xmlns:a14="http://schemas.microsoft.com/office/drawing/2010/main" val="0"/>
-              </a:ext>
-            </a:extLst>
-          </a:blip>
-          <a:stretch>
-            <a:fillRect/>
-          </a:stretch>
-        </p:blipFill>
-        <p:spPr>
-          <a:xfrm>
-            <a:off x="3901426" y="2974714"/>
-            <a:ext cx="3726187" cy="3518161"/>
+            <a:off x="1141593" y="2708861"/>
+            <a:ext cx="9908814" cy="3657600"/>
           </a:xfrm>
           <a:prstGeom prst="rect">
             <a:avLst/>
@@ -24060,7 +24602,7 @@
                   <a:srgbClr val="002060"/>
                 </a:solidFill>
               </a:rPr>
-              <a:t>Preliminary LDA results</a:t>
+              <a:t>LDA results</a:t>
             </a:r>
             <a:endParaRPr lang="en-US" dirty="0">
               <a:solidFill>
@@ -24138,39 +24680,19 @@
             </a:r>
           </a:p>
           <a:p>
-            <a:pPr lvl="1">
+            <a:pPr>
               <a:lnSpc>
                 <a:spcPct val="100000"/>
               </a:lnSpc>
             </a:pPr>
             <a:r>
-              <a:rPr lang="en-US" sz="2000" dirty="0">
+              <a:rPr lang="en-US" sz="2200" dirty="0">
                 <a:solidFill>
                   <a:srgbClr val="C00000"/>
                 </a:solidFill>
               </a:rPr>
               <a:t>Low RG works well with simple approximations and is systematically improvable</a:t>
             </a:r>
-          </a:p>
-          <a:p>
-            <a:pPr lvl="1">
-              <a:lnSpc>
-                <a:spcPct val="100000"/>
-              </a:lnSpc>
-            </a:pPr>
-            <a:r>
-              <a:rPr lang="en-US" sz="2000" i="1" dirty="0"/>
-              <a:t>Absolute normalization still a work in progress (scaled up by one overall factor)</a:t>
-            </a:r>
-          </a:p>
-          <a:p>
-            <a:pPr marL="457200" lvl="1" indent="0">
-              <a:lnSpc>
-                <a:spcPct val="100000"/>
-              </a:lnSpc>
-              <a:buNone/>
-            </a:pPr>
-            <a:endParaRPr lang="en-US" dirty="0"/>
           </a:p>
         </p:txBody>
       </p:sp>
@@ -24290,13 +24812,13 @@
           <a:p>
             <a:r>
               <a:rPr lang="en-US"/>
-              <a:t>Anthony Tropiano, APS April 2021 Meeting</a:t>
+              <a:t>Anthony Tropiano, NUCLEI 2021 Meeting</a:t>
             </a:r>
           </a:p>
         </p:txBody>
       </p:sp>
-      <mc:AlternateContent xmlns:mc="http://schemas.openxmlformats.org/markup-compatibility/2006" xmlns:a14="http://schemas.microsoft.com/office/drawing/2010/main">
-        <mc:Choice Requires="a14">
+      <mc:AlternateContent xmlns:mc="http://schemas.openxmlformats.org/markup-compatibility/2006">
+        <mc:Choice xmlns:a14="http://schemas.microsoft.com/office/drawing/2010/main" Requires="a14">
           <p:sp>
             <p:nvSpPr>
               <p:cNvPr id="16" name="TextBox 15">
@@ -24311,8 +24833,8 @@
             </p:nvSpPr>
             <p:spPr>
               <a:xfrm>
-                <a:off x="0" y="6356350"/>
-                <a:ext cx="4447713" cy="523220"/>
+                <a:off x="0" y="6285390"/>
+                <a:ext cx="4438835" cy="523220"/>
               </a:xfrm>
               <a:prstGeom prst="rect">
                 <a:avLst/>
@@ -24440,7 +24962,7 @@
             </p:txBody>
           </p:sp>
         </mc:Choice>
-        <mc:Fallback xmlns="">
+        <mc:Fallback>
           <p:sp>
             <p:nvSpPr>
               <p:cNvPr id="16" name="TextBox 15">
@@ -24457,16 +24979,16 @@
             </p:nvSpPr>
             <p:spPr>
               <a:xfrm>
-                <a:off x="0" y="6356350"/>
-                <a:ext cx="4447713" cy="523220"/>
+                <a:off x="0" y="6285390"/>
+                <a:ext cx="4438835" cy="523220"/>
               </a:xfrm>
               <a:prstGeom prst="rect">
                 <a:avLst/>
               </a:prstGeom>
               <a:blipFill>
-                <a:blip r:embed="rId6"/>
+                <a:blip r:embed="rId4"/>
                 <a:stretch>
-                  <a:fillRect l="-411" t="-2326" b="-10465"/>
+                  <a:fillRect l="-412" t="-2326" b="-11628"/>
                 </a:stretch>
               </a:blipFill>
             </p:spPr>
@@ -24499,7 +25021,7 @@
         </p:nvSpPr>
         <p:spPr>
           <a:xfrm>
-            <a:off x="7335414" y="0"/>
+            <a:off x="7245646" y="105225"/>
             <a:ext cx="4946354" cy="769441"/>
           </a:xfrm>
           <a:prstGeom prst="rect">
@@ -25162,8 +25684,8 @@
           <a:lstStyle/>
           <a:p>
             <a:r>
-              <a:rPr lang="en-US"/>
-              <a:t>Anthony Tropiano, APS April 2021 Meeting</a:t>
+              <a:rPr lang="en-US" dirty="0"/>
+              <a:t>Anthony Tropiano, NUCLEI 2021 Meeting</a:t>
             </a:r>
           </a:p>
         </p:txBody>
@@ -26290,7 +26812,7 @@
                   <a:srgbClr val="002060"/>
                 </a:solidFill>
               </a:rPr>
-              <a:t>Preliminary LDA results</a:t>
+              <a:t>LDA results</a:t>
             </a:r>
             <a:endParaRPr lang="en-US" dirty="0">
               <a:solidFill>
@@ -26572,7 +27094,7 @@
           <a:p>
             <a:r>
               <a:rPr lang="en-US"/>
-              <a:t>Anthony Tropiano, APS April 2021 Meeting</a:t>
+              <a:t>Anthony Tropiano, NUCLEI 2021 Meeting</a:t>
             </a:r>
           </a:p>
         </p:txBody>
@@ -27000,7 +27522,7 @@
                   <a:srgbClr val="002060"/>
                 </a:solidFill>
               </a:rPr>
-              <a:t>Preliminary LDA results</a:t>
+              <a:t>LDA results</a:t>
             </a:r>
             <a:endParaRPr lang="en-US" dirty="0">
               <a:solidFill>
@@ -27127,7 +27649,7 @@
           <a:p>
             <a:r>
               <a:rPr lang="en-US"/>
-              <a:t>Anthony Tropiano, APS April 2021 Meeting</a:t>
+              <a:t>Anthony Tropiano, NUCLEI 2021 Meeting</a:t>
             </a:r>
           </a:p>
         </p:txBody>
@@ -27367,10 +27889,10 @@
       </p:cxnSp>
       <p:pic>
         <p:nvPicPr>
-          <p:cNvPr id="9" name="Picture 8" descr="Diagram&#10;&#10;Description automatically generated">
+          <p:cNvPr id="8" name="Picture 7" descr="Diagram, histogram&#10;&#10;Description automatically generated">
             <a:extLst>
               <a:ext uri="{FF2B5EF4-FFF2-40B4-BE49-F238E27FC236}">
-                <a16:creationId xmlns:a16="http://schemas.microsoft.com/office/drawing/2014/main" id="{D76642D1-4BAD-4F6F-964E-D43DAC7A4D5C}"/>
+                <a16:creationId xmlns:a16="http://schemas.microsoft.com/office/drawing/2014/main" id="{182C5F03-55AD-4635-B0AB-F3DAC92561B8}"/>
               </a:ext>
             </a:extLst>
           </p:cNvPr>
@@ -27393,53 +27915,14 @@
         </p:blipFill>
         <p:spPr>
           <a:xfrm>
-            <a:off x="154115" y="1799883"/>
-            <a:ext cx="4519703" cy="4423364"/>
+            <a:off x="0" y="1893530"/>
+            <a:ext cx="4488677" cy="4389120"/>
           </a:xfrm>
           <a:prstGeom prst="rect">
             <a:avLst/>
           </a:prstGeom>
         </p:spPr>
       </p:pic>
-      <p:sp>
-        <p:nvSpPr>
-          <p:cNvPr id="15" name="TextBox 14">
-            <a:extLst>
-              <a:ext uri="{FF2B5EF4-FFF2-40B4-BE49-F238E27FC236}">
-                <a16:creationId xmlns:a16="http://schemas.microsoft.com/office/drawing/2014/main" id="{CF9A9F44-02BB-4043-9135-6DF81ABEF644}"/>
-              </a:ext>
-            </a:extLst>
-          </p:cNvPr>
-          <p:cNvSpPr txBox="1"/>
-          <p:nvPr/>
-        </p:nvSpPr>
-        <p:spPr>
-          <a:xfrm>
-            <a:off x="3310922" y="3429000"/>
-            <a:ext cx="1666370" cy="369332"/>
-          </a:xfrm>
-          <a:prstGeom prst="rect">
-            <a:avLst/>
-          </a:prstGeom>
-          <a:noFill/>
-        </p:spPr>
-        <p:txBody>
-          <a:bodyPr wrap="square" rtlCol="0">
-            <a:spAutoFit/>
-          </a:bodyPr>
-          <a:lstStyle/>
-          <a:p>
-            <a:r>
-              <a:rPr lang="en-US" dirty="0" err="1"/>
-              <a:t>pn</a:t>
-            </a:r>
-            <a:r>
-              <a:rPr lang="en-US" dirty="0"/>
-              <a:t> dominance</a:t>
-            </a:r>
-          </a:p>
-        </p:txBody>
-      </p:sp>
       <p:sp>
         <p:nvSpPr>
           <p:cNvPr id="22" name="TextBox 21">
@@ -27454,7 +27937,7 @@
         </p:nvSpPr>
         <p:spPr>
           <a:xfrm>
-            <a:off x="3891904" y="5741212"/>
+            <a:off x="4659112" y="5662415"/>
             <a:ext cx="1213474" cy="369332"/>
           </a:xfrm>
           <a:prstGeom prst="rect">
@@ -27486,14 +27969,13 @@
           </p:cNvPr>
           <p:cNvCxnSpPr>
             <a:cxnSpLocks/>
-            <a:stCxn id="22" idx="0"/>
           </p:cNvCxnSpPr>
           <p:nvPr/>
         </p:nvCxnSpPr>
         <p:spPr>
           <a:xfrm flipH="1" flipV="1">
             <a:off x="4189933" y="5077430"/>
-            <a:ext cx="308708" cy="663782"/>
+            <a:ext cx="564675" cy="530246"/>
           </a:xfrm>
           <a:prstGeom prst="straightConnector1">
             <a:avLst/>
@@ -27934,8 +28416,8 @@
           </p:sp>
         </mc:Fallback>
       </mc:AlternateContent>
-      <mc:AlternateContent xmlns:mc="http://schemas.openxmlformats.org/markup-compatibility/2006" xmlns:a14="http://schemas.microsoft.com/office/drawing/2010/main">
-        <mc:Choice Requires="a14">
+      <mc:AlternateContent xmlns:mc="http://schemas.openxmlformats.org/markup-compatibility/2006">
+        <mc:Choice xmlns:a14="http://schemas.microsoft.com/office/drawing/2010/main" Requires="a14">
           <p:sp>
             <p:nvSpPr>
               <p:cNvPr id="3" name="TextBox 2">
@@ -28277,7 +28759,7 @@
             </p:txBody>
           </p:sp>
         </mc:Choice>
-        <mc:Fallback xmlns="">
+        <mc:Fallback>
           <p:sp>
             <p:nvSpPr>
               <p:cNvPr id="3" name="TextBox 2">
@@ -28336,7 +28818,7 @@
         </p:nvSpPr>
         <p:spPr>
           <a:xfrm>
-            <a:off x="2404861" y="2112892"/>
+            <a:off x="2334333" y="1991233"/>
             <a:ext cx="498764" cy="2278804"/>
           </a:xfrm>
           <a:prstGeom prst="ellipse">
@@ -28394,8 +28876,8 @@
         </p:nvCxnSpPr>
         <p:spPr>
           <a:xfrm flipH="1" flipV="1">
-            <a:off x="2680488" y="3429002"/>
-            <a:ext cx="630434" cy="184664"/>
+            <a:off x="2522862" y="3271036"/>
+            <a:ext cx="682553" cy="912038"/>
           </a:xfrm>
           <a:prstGeom prst="straightConnector1">
             <a:avLst/>
@@ -28422,6 +28904,45 @@
           </a:fontRef>
         </p:style>
       </p:cxnSp>
+      <p:sp>
+        <p:nvSpPr>
+          <p:cNvPr id="15" name="TextBox 14">
+            <a:extLst>
+              <a:ext uri="{FF2B5EF4-FFF2-40B4-BE49-F238E27FC236}">
+                <a16:creationId xmlns:a16="http://schemas.microsoft.com/office/drawing/2014/main" id="{CF9A9F44-02BB-4043-9135-6DF81ABEF644}"/>
+              </a:ext>
+            </a:extLst>
+          </p:cNvPr>
+          <p:cNvSpPr txBox="1"/>
+          <p:nvPr/>
+        </p:nvSpPr>
+        <p:spPr>
+          <a:xfrm>
+            <a:off x="3205415" y="3998408"/>
+            <a:ext cx="1666370" cy="369332"/>
+          </a:xfrm>
+          <a:prstGeom prst="rect">
+            <a:avLst/>
+          </a:prstGeom>
+          <a:noFill/>
+        </p:spPr>
+        <p:txBody>
+          <a:bodyPr wrap="square" rtlCol="0">
+            <a:spAutoFit/>
+          </a:bodyPr>
+          <a:lstStyle/>
+          <a:p>
+            <a:r>
+              <a:rPr lang="en-US" dirty="0" err="1"/>
+              <a:t>pn</a:t>
+            </a:r>
+            <a:r>
+              <a:rPr lang="en-US" dirty="0"/>
+              <a:t> dominance</a:t>
+            </a:r>
+          </a:p>
+        </p:txBody>
+      </p:sp>
     </p:spTree>
     <p:extLst>
       <p:ext uri="{BB962C8B-B14F-4D97-AF65-F5344CB8AC3E}">
@@ -28482,12 +29003,55 @@
           </a:prstGeom>
         </p:spPr>
       </p:pic>
+      <p:sp>
+        <p:nvSpPr>
+          <p:cNvPr id="2" name="Title 1">
+            <a:extLst>
+              <a:ext uri="{FF2B5EF4-FFF2-40B4-BE49-F238E27FC236}">
+                <a16:creationId xmlns:a16="http://schemas.microsoft.com/office/drawing/2014/main" id="{9FECE9C7-FBB0-B54D-8E92-C3BC6CA96ED2}"/>
+              </a:ext>
+            </a:extLst>
+          </p:cNvPr>
+          <p:cNvSpPr>
+            <a:spLocks noGrp="1"/>
+          </p:cNvSpPr>
+          <p:nvPr>
+            <p:ph type="title"/>
+          </p:nvPr>
+        </p:nvSpPr>
+        <p:spPr/>
+        <p:txBody>
+          <a:bodyPr/>
+          <a:lstStyle/>
+          <a:p>
+            <a:pPr>
+              <a:lnSpc>
+                <a:spcPct val="100000"/>
+              </a:lnSpc>
+            </a:pPr>
+            <a:r>
+              <a:rPr lang="en-US" dirty="0">
+                <a:solidFill>
+                  <a:srgbClr val="002060"/>
+                </a:solidFill>
+              </a:rPr>
+              <a:t>LDA results</a:t>
+            </a:r>
+            <a:endParaRPr lang="en-US" dirty="0">
+              <a:solidFill>
+                <a:srgbClr val="002060"/>
+              </a:solidFill>
+              <a:latin typeface="Arial" panose="020B0604020202020204" pitchFamily="34" charset="0"/>
+            </a:endParaRPr>
+          </a:p>
+        </p:txBody>
+      </p:sp>
       <p:pic>
         <p:nvPicPr>
-          <p:cNvPr id="5" name="Picture 4" descr="Chart&#10;&#10;Description automatically generated">
+          <p:cNvPr id="7" name="Picture 6" descr="Chart&#10;&#10;Description automatically generated">
             <a:extLst>
               <a:ext uri="{FF2B5EF4-FFF2-40B4-BE49-F238E27FC236}">
-                <a16:creationId xmlns:a16="http://schemas.microsoft.com/office/drawing/2014/main" id="{3C2275A4-9919-4852-8DA2-71AD6C764C61}"/>
+                <a16:creationId xmlns:a16="http://schemas.microsoft.com/office/drawing/2014/main" id="{7793D3E3-C7B2-47DA-B9FB-DE85F359026E}"/>
               </a:ext>
             </a:extLst>
           </p:cNvPr>
@@ -28510,57 +29074,14 @@
         </p:blipFill>
         <p:spPr>
           <a:xfrm>
-            <a:off x="685" y="1802166"/>
-            <a:ext cx="4734780" cy="4297680"/>
+            <a:off x="10725" y="1769485"/>
+            <a:ext cx="4676414" cy="4389120"/>
           </a:xfrm>
           <a:prstGeom prst="rect">
             <a:avLst/>
           </a:prstGeom>
         </p:spPr>
       </p:pic>
-      <p:sp>
-        <p:nvSpPr>
-          <p:cNvPr id="2" name="Title 1">
-            <a:extLst>
-              <a:ext uri="{FF2B5EF4-FFF2-40B4-BE49-F238E27FC236}">
-                <a16:creationId xmlns:a16="http://schemas.microsoft.com/office/drawing/2014/main" id="{9FECE9C7-FBB0-B54D-8E92-C3BC6CA96ED2}"/>
-              </a:ext>
-            </a:extLst>
-          </p:cNvPr>
-          <p:cNvSpPr>
-            <a:spLocks noGrp="1"/>
-          </p:cNvSpPr>
-          <p:nvPr>
-            <p:ph type="title"/>
-          </p:nvPr>
-        </p:nvSpPr>
-        <p:spPr/>
-        <p:txBody>
-          <a:bodyPr/>
-          <a:lstStyle/>
-          <a:p>
-            <a:pPr>
-              <a:lnSpc>
-                <a:spcPct val="100000"/>
-              </a:lnSpc>
-            </a:pPr>
-            <a:r>
-              <a:rPr lang="en-US" dirty="0">
-                <a:solidFill>
-                  <a:srgbClr val="002060"/>
-                </a:solidFill>
-              </a:rPr>
-              <a:t>Preliminary LDA results</a:t>
-            </a:r>
-            <a:endParaRPr lang="en-US" dirty="0">
-              <a:solidFill>
-                <a:srgbClr val="002060"/>
-              </a:solidFill>
-              <a:latin typeface="Arial" panose="020B0604020202020204" pitchFamily="34" charset="0"/>
-            </a:endParaRPr>
-          </a:p>
-        </p:txBody>
-      </p:sp>
       <p:sp>
         <p:nvSpPr>
           <p:cNvPr id="4" name="Slide Number Placeholder 3">
@@ -28677,7 +29198,7 @@
           <a:p>
             <a:r>
               <a:rPr lang="en-US"/>
-              <a:t>Anthony Tropiano, APS April 2021 Meeting</a:t>
+              <a:t>Anthony Tropiano, NUCLEI 2021 Meeting</a:t>
             </a:r>
           </a:p>
         </p:txBody>
@@ -28696,7 +29217,7 @@
         </p:nvSpPr>
         <p:spPr>
           <a:xfrm>
-            <a:off x="1563745" y="4132711"/>
+            <a:off x="1499013" y="3927872"/>
             <a:ext cx="1529586" cy="369332"/>
           </a:xfrm>
           <a:prstGeom prst="rect">
@@ -28735,7 +29256,7 @@
         </p:nvSpPr>
         <p:spPr>
           <a:xfrm>
-            <a:off x="1140337" y="4696719"/>
+            <a:off x="1160642" y="4502043"/>
             <a:ext cx="819694" cy="823532"/>
           </a:xfrm>
           <a:prstGeom prst="ellipse">
@@ -28792,8 +29313,8 @@
         </p:nvCxnSpPr>
         <p:spPr>
           <a:xfrm flipH="1">
-            <a:off x="1671521" y="4520582"/>
-            <a:ext cx="592285" cy="468984"/>
+            <a:off x="1570489" y="4297204"/>
+            <a:ext cx="627742" cy="862709"/>
           </a:xfrm>
           <a:prstGeom prst="straightConnector1">
             <a:avLst/>
@@ -29077,85 +29598,6 @@
           </a:p>
         </p:txBody>
       </p:sp>
-      <p:sp>
-        <p:nvSpPr>
-          <p:cNvPr id="18" name="TextBox 17">
-            <a:extLst>
-              <a:ext uri="{FF2B5EF4-FFF2-40B4-BE49-F238E27FC236}">
-                <a16:creationId xmlns:a16="http://schemas.microsoft.com/office/drawing/2014/main" id="{A678C984-5C0E-4E49-B052-23C408395A20}"/>
-              </a:ext>
-            </a:extLst>
-          </p:cNvPr>
-          <p:cNvSpPr txBox="1"/>
-          <p:nvPr/>
-        </p:nvSpPr>
-        <p:spPr>
-          <a:xfrm>
-            <a:off x="4189960" y="5071070"/>
-            <a:ext cx="1213474" cy="369332"/>
-          </a:xfrm>
-          <a:prstGeom prst="rect">
-            <a:avLst/>
-          </a:prstGeom>
-          <a:noFill/>
-        </p:spPr>
-        <p:txBody>
-          <a:bodyPr wrap="square" rtlCol="0">
-            <a:spAutoFit/>
-          </a:bodyPr>
-          <a:lstStyle/>
-          <a:p>
-            <a:r>
-              <a:rPr lang="en-US" dirty="0"/>
-              <a:t>Scalar limit</a:t>
-            </a:r>
-          </a:p>
-        </p:txBody>
-      </p:sp>
-      <p:cxnSp>
-        <p:nvCxnSpPr>
-          <p:cNvPr id="20" name="Straight Arrow Connector 19">
-            <a:extLst>
-              <a:ext uri="{FF2B5EF4-FFF2-40B4-BE49-F238E27FC236}">
-                <a16:creationId xmlns:a16="http://schemas.microsoft.com/office/drawing/2014/main" id="{5625258E-3FD5-43C5-BC9A-99C8F589A589}"/>
-              </a:ext>
-            </a:extLst>
-          </p:cNvPr>
-          <p:cNvCxnSpPr>
-            <a:cxnSpLocks/>
-          </p:cNvCxnSpPr>
-          <p:nvPr/>
-        </p:nvCxnSpPr>
-        <p:spPr>
-          <a:xfrm flipH="1" flipV="1">
-            <a:off x="4093434" y="3974347"/>
-            <a:ext cx="642031" cy="1092470"/>
-          </a:xfrm>
-          <a:prstGeom prst="straightConnector1">
-            <a:avLst/>
-          </a:prstGeom>
-          <a:ln w="38100">
-            <a:solidFill>
-              <a:srgbClr val="FF0000"/>
-            </a:solidFill>
-            <a:tailEnd type="triangle"/>
-          </a:ln>
-        </p:spPr>
-        <p:style>
-          <a:lnRef idx="1">
-            <a:schemeClr val="accent1"/>
-          </a:lnRef>
-          <a:fillRef idx="0">
-            <a:schemeClr val="accent1"/>
-          </a:fillRef>
-          <a:effectRef idx="0">
-            <a:schemeClr val="accent1"/>
-          </a:effectRef>
-          <a:fontRef idx="minor">
-            <a:schemeClr val="tx1"/>
-          </a:fontRef>
-        </p:style>
-      </p:cxnSp>
       <p:sp>
         <p:nvSpPr>
           <p:cNvPr id="24" name="TextBox 23">
@@ -29542,6 +29984,85 @@
           </p:sp>
         </mc:Fallback>
       </mc:AlternateContent>
+      <p:sp>
+        <p:nvSpPr>
+          <p:cNvPr id="18" name="TextBox 17">
+            <a:extLst>
+              <a:ext uri="{FF2B5EF4-FFF2-40B4-BE49-F238E27FC236}">
+                <a16:creationId xmlns:a16="http://schemas.microsoft.com/office/drawing/2014/main" id="{A678C984-5C0E-4E49-B052-23C408395A20}"/>
+              </a:ext>
+            </a:extLst>
+          </p:cNvPr>
+          <p:cNvSpPr txBox="1"/>
+          <p:nvPr/>
+        </p:nvSpPr>
+        <p:spPr>
+          <a:xfrm>
+            <a:off x="4411857" y="5083747"/>
+            <a:ext cx="1213474" cy="369332"/>
+          </a:xfrm>
+          <a:prstGeom prst="rect">
+            <a:avLst/>
+          </a:prstGeom>
+          <a:noFill/>
+        </p:spPr>
+        <p:txBody>
+          <a:bodyPr wrap="square" rtlCol="0">
+            <a:spAutoFit/>
+          </a:bodyPr>
+          <a:lstStyle/>
+          <a:p>
+            <a:r>
+              <a:rPr lang="en-US" dirty="0"/>
+              <a:t>Scalar limit</a:t>
+            </a:r>
+          </a:p>
+        </p:txBody>
+      </p:sp>
+      <p:cxnSp>
+        <p:nvCxnSpPr>
+          <p:cNvPr id="20" name="Straight Arrow Connector 19">
+            <a:extLst>
+              <a:ext uri="{FF2B5EF4-FFF2-40B4-BE49-F238E27FC236}">
+                <a16:creationId xmlns:a16="http://schemas.microsoft.com/office/drawing/2014/main" id="{5625258E-3FD5-43C5-BC9A-99C8F589A589}"/>
+              </a:ext>
+            </a:extLst>
+          </p:cNvPr>
+          <p:cNvCxnSpPr>
+            <a:cxnSpLocks/>
+          </p:cNvCxnSpPr>
+          <p:nvPr/>
+        </p:nvCxnSpPr>
+        <p:spPr>
+          <a:xfrm flipH="1" flipV="1">
+            <a:off x="4332303" y="3533314"/>
+            <a:ext cx="568438" cy="1550433"/>
+          </a:xfrm>
+          <a:prstGeom prst="straightConnector1">
+            <a:avLst/>
+          </a:prstGeom>
+          <a:ln w="38100">
+            <a:solidFill>
+              <a:srgbClr val="FF0000"/>
+            </a:solidFill>
+            <a:tailEnd type="triangle"/>
+          </a:ln>
+        </p:spPr>
+        <p:style>
+          <a:lnRef idx="1">
+            <a:schemeClr val="accent1"/>
+          </a:lnRef>
+          <a:fillRef idx="0">
+            <a:schemeClr val="accent1"/>
+          </a:fillRef>
+          <a:effectRef idx="0">
+            <a:schemeClr val="accent1"/>
+          </a:effectRef>
+          <a:fontRef idx="minor">
+            <a:schemeClr val="tx1"/>
+          </a:fontRef>
+        </p:style>
+      </p:cxnSp>
     </p:spTree>
     <p:extLst>
       <p:ext uri="{BB962C8B-B14F-4D97-AF65-F5344CB8AC3E}">
@@ -29574,10 +30095,10 @@
       </p:grpSpPr>
       <p:pic>
         <p:nvPicPr>
-          <p:cNvPr id="9" name="Picture 8" descr="Chart, line chart&#10;&#10;Description automatically generated">
+          <p:cNvPr id="7" name="Picture 6" descr="Chart&#10;&#10;Description automatically generated">
             <a:extLst>
               <a:ext uri="{FF2B5EF4-FFF2-40B4-BE49-F238E27FC236}">
-                <a16:creationId xmlns:a16="http://schemas.microsoft.com/office/drawing/2014/main" id="{82C679BE-F081-4A06-B400-A76144A347FD}"/>
+                <a16:creationId xmlns:a16="http://schemas.microsoft.com/office/drawing/2014/main" id="{9B561A1D-CCDE-4999-BE55-95B9F61F71FC}"/>
               </a:ext>
             </a:extLst>
           </p:cNvPr>
@@ -29600,8 +30121,8 @@
         </p:blipFill>
         <p:spPr>
           <a:xfrm>
-            <a:off x="0" y="1690688"/>
-            <a:ext cx="6510000" cy="4572000"/>
+            <a:off x="218033" y="1318334"/>
+            <a:ext cx="5260964" cy="4937760"/>
           </a:xfrm>
           <a:prstGeom prst="rect">
             <a:avLst/>
@@ -29640,7 +30161,7 @@
                   <a:srgbClr val="002060"/>
                 </a:solidFill>
               </a:rPr>
-              <a:t>Preliminary LDA results</a:t>
+              <a:t>LDA results</a:t>
             </a:r>
             <a:endParaRPr lang="en-US" dirty="0">
               <a:solidFill>
@@ -29651,8 +30172,8 @@
           </a:p>
         </p:txBody>
       </p:sp>
-      <mc:AlternateContent xmlns:mc="http://schemas.openxmlformats.org/markup-compatibility/2006" xmlns:a14="http://schemas.microsoft.com/office/drawing/2010/main">
-        <mc:Choice Requires="a14">
+      <mc:AlternateContent xmlns:mc="http://schemas.openxmlformats.org/markup-compatibility/2006">
+        <mc:Choice xmlns:a14="http://schemas.microsoft.com/office/drawing/2010/main" Requires="a14">
           <p:sp>
             <p:nvSpPr>
               <p:cNvPr id="3" name="Content Placeholder 2">
@@ -29671,8 +30192,8 @@
             </p:nvSpPr>
             <p:spPr>
               <a:xfrm>
-                <a:off x="6937410" y="1825625"/>
-                <a:ext cx="4216459" cy="4351338"/>
+                <a:off x="5548544" y="1825625"/>
+                <a:ext cx="5605325" cy="4351338"/>
               </a:xfrm>
             </p:spPr>
             <p:txBody>
@@ -29830,7 +30351,7 @@
             </p:txBody>
           </p:sp>
         </mc:Choice>
-        <mc:Fallback xmlns="">
+        <mc:Fallback>
           <p:sp>
             <p:nvSpPr>
               <p:cNvPr id="3" name="Content Placeholder 2">
@@ -29849,13 +30370,13 @@
             </p:nvSpPr>
             <p:spPr>
               <a:xfrm>
-                <a:off x="6937410" y="1825625"/>
-                <a:ext cx="4216459" cy="4351338"/>
+                <a:off x="5548544" y="1825625"/>
+                <a:ext cx="5605325" cy="4351338"/>
               </a:xfrm>
               <a:blipFill>
                 <a:blip r:embed="rId4"/>
                 <a:stretch>
-                  <a:fillRect l="-2601" t="-1401"/>
+                  <a:fillRect l="-1957" t="-1401" r="-3152"/>
                 </a:stretch>
               </a:blipFill>
             </p:spPr>
@@ -29990,70 +30511,8 @@
           <a:p>
             <a:r>
               <a:rPr lang="en-US"/>
-              <a:t>Anthony Tropiano, APS April 2021 Meeting</a:t>
-            </a:r>
-          </a:p>
-        </p:txBody>
-      </p:sp>
-      <p:sp>
-        <p:nvSpPr>
-          <p:cNvPr id="10" name="Rectangle 9">
-            <a:extLst>
-              <a:ext uri="{FF2B5EF4-FFF2-40B4-BE49-F238E27FC236}">
-                <a16:creationId xmlns:a16="http://schemas.microsoft.com/office/drawing/2014/main" id="{0C7C6CB6-0B43-46B2-83D3-DFF3C3BE29F4}"/>
-              </a:ext>
-            </a:extLst>
-          </p:cNvPr>
-          <p:cNvSpPr/>
-          <p:nvPr/>
-        </p:nvSpPr>
-        <p:spPr>
-          <a:xfrm>
-            <a:off x="1294004" y="1899821"/>
-            <a:ext cx="677754" cy="3639845"/>
-          </a:xfrm>
-          <a:prstGeom prst="rect">
-            <a:avLst/>
-          </a:prstGeom>
-          <a:solidFill>
-            <a:schemeClr val="bg1">
-              <a:lumMod val="85000"/>
-              <a:alpha val="50000"/>
-            </a:schemeClr>
-          </a:solidFill>
-          <a:ln>
-            <a:noFill/>
-          </a:ln>
-          <a:effectLst>
-            <a:outerShdw blurRad="50800" dist="50800" dir="5400000" algn="ctr" rotWithShape="0">
-              <a:srgbClr val="000000">
-                <a:alpha val="28000"/>
-              </a:srgbClr>
-            </a:outerShdw>
-          </a:effectLst>
-        </p:spPr>
-        <p:style>
-          <a:lnRef idx="2">
-            <a:schemeClr val="accent1">
-              <a:shade val="50000"/>
-            </a:schemeClr>
-          </a:lnRef>
-          <a:fillRef idx="1">
-            <a:schemeClr val="accent1"/>
-          </a:fillRef>
-          <a:effectRef idx="0">
-            <a:schemeClr val="accent1"/>
-          </a:effectRef>
-          <a:fontRef idx="minor">
-            <a:schemeClr val="lt1"/>
-          </a:fontRef>
-        </p:style>
-        <p:txBody>
-          <a:bodyPr rtlCol="0" anchor="ctr"/>
-          <a:lstStyle/>
-          <a:p>
-            <a:pPr algn="ctr"/>
-            <a:endParaRPr lang="en-US" dirty="0"/>
+              <a:t>Anthony Tropiano, NUCLEI 2021 Meeting</a:t>
+            </a:r>
           </a:p>
         </p:txBody>
       </p:sp>
@@ -30073,8 +30532,8 @@
         </p:nvCxnSpPr>
         <p:spPr>
           <a:xfrm flipH="1" flipV="1">
-            <a:off x="1567097" y="4894168"/>
-            <a:ext cx="832071" cy="121452"/>
+            <a:off x="1916025" y="3429000"/>
+            <a:ext cx="1349041" cy="1338310"/>
           </a:xfrm>
           <a:prstGeom prst="straightConnector1">
             <a:avLst/>
@@ -30115,7 +30574,7 @@
         </p:nvSpPr>
         <p:spPr>
           <a:xfrm>
-            <a:off x="2399168" y="4830954"/>
+            <a:off x="3265065" y="4646288"/>
             <a:ext cx="1547069" cy="369332"/>
           </a:xfrm>
           <a:prstGeom prst="rect">
@@ -30337,6 +30796,61 @@
           </p:sp>
         </mc:Fallback>
       </mc:AlternateContent>
+      <p:sp>
+        <p:nvSpPr>
+          <p:cNvPr id="17" name="Oval 16">
+            <a:extLst>
+              <a:ext uri="{FF2B5EF4-FFF2-40B4-BE49-F238E27FC236}">
+                <a16:creationId xmlns:a16="http://schemas.microsoft.com/office/drawing/2014/main" id="{23F59022-5A29-4623-9C6D-1411A496FBC2}"/>
+              </a:ext>
+            </a:extLst>
+          </p:cNvPr>
+          <p:cNvSpPr/>
+          <p:nvPr/>
+        </p:nvSpPr>
+        <p:spPr>
+          <a:xfrm>
+            <a:off x="1506178" y="2924117"/>
+            <a:ext cx="819694" cy="823532"/>
+          </a:xfrm>
+          <a:prstGeom prst="ellipse">
+            <a:avLst/>
+          </a:prstGeom>
+          <a:solidFill>
+            <a:schemeClr val="bg1">
+              <a:lumMod val="75000"/>
+              <a:alpha val="50000"/>
+            </a:schemeClr>
+          </a:solidFill>
+          <a:ln>
+            <a:noFill/>
+          </a:ln>
+        </p:spPr>
+        <p:style>
+          <a:lnRef idx="2">
+            <a:schemeClr val="accent1">
+              <a:shade val="50000"/>
+            </a:schemeClr>
+          </a:lnRef>
+          <a:fillRef idx="1">
+            <a:schemeClr val="accent1"/>
+          </a:fillRef>
+          <a:effectRef idx="0">
+            <a:schemeClr val="accent1"/>
+          </a:effectRef>
+          <a:fontRef idx="minor">
+            <a:schemeClr val="lt1"/>
+          </a:fontRef>
+        </p:style>
+        <p:txBody>
+          <a:bodyPr rtlCol="0" anchor="ctr"/>
+          <a:lstStyle/>
+          <a:p>
+            <a:pPr algn="ctr"/>
+            <a:endParaRPr lang="en-US"/>
+          </a:p>
+        </p:txBody>
+      </p:sp>
     </p:spTree>
     <p:extLst>
       <p:ext uri="{BB962C8B-B14F-4D97-AF65-F5344CB8AC3E}">
@@ -30367,6 +30881,42 @@
           <a:chExt cx="0" cy="0"/>
         </a:xfrm>
       </p:grpSpPr>
+      <p:pic>
+        <p:nvPicPr>
+          <p:cNvPr id="7" name="Picture 6" descr="Chart, scatter chart&#10;&#10;Description automatically generated">
+            <a:extLst>
+              <a:ext uri="{FF2B5EF4-FFF2-40B4-BE49-F238E27FC236}">
+                <a16:creationId xmlns:a16="http://schemas.microsoft.com/office/drawing/2014/main" id="{0D4C7292-FB7A-4469-9692-B603F7966BCD}"/>
+              </a:ext>
+            </a:extLst>
+          </p:cNvPr>
+          <p:cNvPicPr>
+            <a:picLocks noChangeAspect="1"/>
+          </p:cNvPicPr>
+          <p:nvPr/>
+        </p:nvPicPr>
+        <p:blipFill>
+          <a:blip r:embed="rId3">
+            <a:extLst>
+              <a:ext uri="{28A0092B-C50C-407E-A947-70E740481C1C}">
+                <a14:useLocalDpi xmlns:a14="http://schemas.microsoft.com/office/drawing/2010/main" val="0"/>
+              </a:ext>
+            </a:extLst>
+          </a:blip>
+          <a:stretch>
+            <a:fillRect/>
+          </a:stretch>
+        </p:blipFill>
+        <p:spPr>
+          <a:xfrm>
+            <a:off x="0" y="1400515"/>
+            <a:ext cx="4501945" cy="4572000"/>
+          </a:xfrm>
+          <a:prstGeom prst="rect">
+            <a:avLst/>
+          </a:prstGeom>
+        </p:spPr>
+      </p:pic>
       <p:sp>
         <p:nvSpPr>
           <p:cNvPr id="2" name="Title 1">
@@ -30399,7 +30949,7 @@
                   <a:srgbClr val="002060"/>
                 </a:solidFill>
               </a:rPr>
-              <a:t>Preliminary LDA results</a:t>
+              <a:t>LDA results</a:t>
             </a:r>
             <a:endParaRPr lang="en-US" dirty="0">
               <a:solidFill>
@@ -30410,8 +30960,8 @@
           </a:p>
         </p:txBody>
       </p:sp>
-      <mc:AlternateContent xmlns:mc="http://schemas.openxmlformats.org/markup-compatibility/2006" xmlns:a14="http://schemas.microsoft.com/office/drawing/2010/main">
-        <mc:Choice Requires="a14">
+      <mc:AlternateContent xmlns:mc="http://schemas.openxmlformats.org/markup-compatibility/2006">
+        <mc:Choice xmlns:a14="http://schemas.microsoft.com/office/drawing/2010/main" Requires="a14">
           <p:sp>
             <p:nvSpPr>
               <p:cNvPr id="3" name="Content Placeholder 2">
@@ -31162,7 +31712,7 @@
                 </a:pPr>
                 <a:r>
                   <a:rPr lang="en-US" sz="2400" dirty="0"/>
-                  <a:t>Decent agreement with experiment</a:t>
+                  <a:t>Good agreement with experiment</a:t>
                 </a:r>
                 <a:r>
                   <a:rPr lang="en-US" sz="2400" baseline="30000" dirty="0"/>
@@ -31178,13 +31728,13 @@
                 </a:r>
                 <a:r>
                   <a:rPr lang="en-US" sz="2400" dirty="0"/>
-                  <a:t> but need to further test systematics</a:t>
+                  <a:t>.</a:t>
                 </a:r>
               </a:p>
             </p:txBody>
           </p:sp>
         </mc:Choice>
-        <mc:Fallback xmlns="">
+        <mc:Fallback>
           <p:sp>
             <p:nvSpPr>
               <p:cNvPr id="3" name="Content Placeholder 2">
@@ -31207,9 +31757,9 @@
                 <a:ext cx="6098219" cy="4351338"/>
               </a:xfrm>
               <a:blipFill>
-                <a:blip r:embed="rId3"/>
+                <a:blip r:embed="rId4"/>
                 <a:stretch>
-                  <a:fillRect l="-1245" t="-2332" b="-5831"/>
+                  <a:fillRect l="-1299" t="-980"/>
                 </a:stretch>
               </a:blipFill>
             </p:spPr>
@@ -31344,7 +31894,7 @@
           <a:p>
             <a:r>
               <a:rPr lang="en-US"/>
-              <a:t>Anthony Tropiano, APS April 2021 Meeting</a:t>
+              <a:t>Anthony Tropiano, NUCLEI 2021 Meeting</a:t>
             </a:r>
           </a:p>
         </p:txBody>
@@ -31533,7 +32083,7 @@
                 <a:avLst/>
               </a:prstGeom>
               <a:blipFill>
-                <a:blip r:embed="rId4"/>
+                <a:blip r:embed="rId5"/>
                 <a:stretch>
                   <a:fillRect l="-526" t="-1550" b="-6977"/>
                 </a:stretch>
@@ -31695,42 +32245,6 @@
           </a:p>
         </p:txBody>
       </p:sp>
-      <p:pic>
-        <p:nvPicPr>
-          <p:cNvPr id="10" name="Picture 9" descr="Chart&#10;&#10;Description automatically generated">
-            <a:extLst>
-              <a:ext uri="{FF2B5EF4-FFF2-40B4-BE49-F238E27FC236}">
-                <a16:creationId xmlns:a16="http://schemas.microsoft.com/office/drawing/2014/main" id="{436BAE43-4413-404C-82F9-1E66F248AD90}"/>
-              </a:ext>
-            </a:extLst>
-          </p:cNvPr>
-          <p:cNvPicPr>
-            <a:picLocks noChangeAspect="1"/>
-          </p:cNvPicPr>
-          <p:nvPr/>
-        </p:nvPicPr>
-        <p:blipFill>
-          <a:blip r:embed="rId5">
-            <a:extLst>
-              <a:ext uri="{28A0092B-C50C-407E-A947-70E740481C1C}">
-                <a14:useLocalDpi xmlns:a14="http://schemas.microsoft.com/office/drawing/2010/main" val="0"/>
-              </a:ext>
-            </a:extLst>
-          </a:blip>
-          <a:stretch>
-            <a:fillRect/>
-          </a:stretch>
-        </p:blipFill>
-        <p:spPr>
-          <a:xfrm>
-            <a:off x="0" y="1400515"/>
-            <a:ext cx="4488000" cy="4572000"/>
-          </a:xfrm>
-          <a:prstGeom prst="rect">
-            <a:avLst/>
-          </a:prstGeom>
-        </p:spPr>
-      </p:pic>
     </p:spTree>
     <p:extLst>
       <p:ext uri="{BB962C8B-B14F-4D97-AF65-F5344CB8AC3E}">
@@ -31828,7 +32342,7 @@
         </p:spPr>
         <p:txBody>
           <a:bodyPr>
-            <a:normAutofit lnSpcReduction="10000"/>
+            <a:normAutofit/>
           </a:bodyPr>
           <a:lstStyle/>
           <a:p>
@@ -31913,32 +32427,13 @@
             </a:pPr>
             <a:r>
               <a:rPr lang="en-US" sz="2200" dirty="0"/>
-              <a:t>Apply to more complicated knock-out reactions (SRG with optical potentials) – </a:t>
-            </a:r>
-            <a:r>
-              <a:rPr lang="en-US" sz="2200" dirty="0">
-                <a:solidFill>
-                  <a:srgbClr val="C00000"/>
-                </a:solidFill>
-              </a:rPr>
-              <a:t>see </a:t>
-            </a:r>
-            <a:r>
-              <a:rPr lang="en-US" sz="2200" dirty="0" err="1">
-                <a:solidFill>
-                  <a:srgbClr val="C00000"/>
-                </a:solidFill>
-              </a:rPr>
-              <a:t>Mostofa</a:t>
-            </a:r>
-            <a:r>
-              <a:rPr lang="en-US" sz="2200" dirty="0">
-                <a:solidFill>
-                  <a:srgbClr val="C00000"/>
-                </a:solidFill>
-              </a:rPr>
-              <a:t> Hisham’s talk (X13.00004)</a:t>
-            </a:r>
+              <a:t>Apply to more complicated knock-out reactions (SRG with optical potentials)</a:t>
+            </a:r>
+            <a:endParaRPr lang="en-US" sz="2200" dirty="0">
+              <a:solidFill>
+                <a:srgbClr val="C00000"/>
+              </a:solidFill>
+            </a:endParaRPr>
           </a:p>
         </p:txBody>
       </p:sp>
@@ -32058,7 +32553,7 @@
           <a:p>
             <a:r>
               <a:rPr lang="en-US"/>
-              <a:t>Anthony Tropiano, APS April 2021 Meeting</a:t>
+              <a:t>Anthony Tropiano, NUCLEI 2021 Meeting</a:t>
             </a:r>
           </a:p>
         </p:txBody>
@@ -32252,7 +32747,7 @@
           <a:p>
             <a:r>
               <a:rPr lang="en-US"/>
-              <a:t>Anthony Tropiano, APS April 2021 Meeting</a:t>
+              <a:t>Anthony Tropiano, NUCLEI 2021 Meeting</a:t>
             </a:r>
           </a:p>
         </p:txBody>
@@ -33418,9 +33913,10 @@
           <a:lstStyle/>
           <a:p>
             <a:r>
-              <a:rPr lang="en-US" dirty="0"/>
-              <a:t>Anthony Tropiano, APS April 2021 Meeting</a:t>
-            </a:r>
+              <a:rPr lang="en-US"/>
+              <a:t>Anthony Tropiano, NUCLEI 2021 Meeting</a:t>
+            </a:r>
+            <a:endParaRPr lang="en-US" dirty="0"/>
           </a:p>
         </p:txBody>
       </p:sp>
@@ -34546,7 +35042,7 @@
           <a:p>
             <a:r>
               <a:rPr lang="en-US"/>
-              <a:t>Anthony Tropiano, APS April 2021 Meeting</a:t>
+              <a:t>Anthony Tropiano, NUCLEI 2021 Meeting</a:t>
             </a:r>
           </a:p>
         </p:txBody>
@@ -35416,9 +35912,10 @@
           <a:lstStyle/>
           <a:p>
             <a:r>
-              <a:rPr lang="en-US" dirty="0"/>
-              <a:t>Anthony Tropiano, APS April 2021 Meeting</a:t>
-            </a:r>
+              <a:rPr lang="en-US"/>
+              <a:t>Anthony Tropiano, NUCLEI 2021 Meeting</a:t>
+            </a:r>
+            <a:endParaRPr lang="en-US" dirty="0"/>
           </a:p>
         </p:txBody>
       </p:sp>
@@ -36536,7 +37033,7 @@
           <a:p>
             <a:r>
               <a:rPr lang="en-US"/>
-              <a:t>Anthony Tropiano, APS April 2021 Meeting</a:t>
+              <a:t>Anthony Tropiano, NUCLEI 2021 Meeting</a:t>
             </a:r>
           </a:p>
         </p:txBody>
@@ -37463,7 +37960,7 @@
           <a:p>
             <a:r>
               <a:rPr lang="en-US"/>
-              <a:t>Anthony Tropiano, APS April 2021 Meeting</a:t>
+              <a:t>Anthony Tropiano, NUCLEI 2021 Meeting</a:t>
             </a:r>
           </a:p>
         </p:txBody>
@@ -37977,7 +38474,7 @@
           <a:p>
             <a:r>
               <a:rPr lang="en-US"/>
-              <a:t>Anthony Tropiano, APS April 2021 Meeting</a:t>
+              <a:t>Anthony Tropiano, NUCLEI 2021 Meeting</a:t>
             </a:r>
           </a:p>
         </p:txBody>

--- a/Presentations/NUCLEI_June2021/tropiano_nuclei_june2021.pptx
+++ b/Presentations/NUCLEI_June2021/tropiano_nuclei_june2021.pptx
@@ -836,7 +836,7 @@
           <a:p>
             <a:fld id="{D6262846-A322-4A91-AADC-BD2991192A7F}" type="datetimeFigureOut">
               <a:rPr lang="en-US" smtClean="0"/>
-              <a:t>5/31/2021</a:t>
+              <a:t>5/31/21</a:t>
             </a:fld>
             <a:endParaRPr lang="en-US"/>
           </a:p>
@@ -2918,7 +2918,16 @@
           <a:bodyPr/>
           <a:lstStyle/>
           <a:p>
-            <a:endParaRPr lang="en-US" dirty="0"/>
+            <a:r>
+              <a:rPr lang="en-US" dirty="0"/>
+              <a:t>Add unitarity from SRG evolution here</a:t>
+            </a:r>
+          </a:p>
+          <a:p>
+            <a:r>
+              <a:rPr lang="en-US" dirty="0"/>
+              <a:t>Maybe define \lambda?</a:t>
+            </a:r>
           </a:p>
         </p:txBody>
       </p:sp>
@@ -3333,7 +3342,7 @@
           <a:p>
             <a:fld id="{FC1FED04-388D-410A-A665-E14242DC85E6}" type="datetime1">
               <a:rPr lang="en-US" smtClean="0"/>
-              <a:t>5/31/2021</a:t>
+              <a:t>5/31/21</a:t>
             </a:fld>
             <a:endParaRPr lang="en-US"/>
           </a:p>
@@ -3534,7 +3543,7 @@
           <a:p>
             <a:fld id="{856B85E3-FDD3-4A3F-8763-C265F3DB4E3D}" type="datetime1">
               <a:rPr lang="en-US" smtClean="0"/>
-              <a:t>5/31/2021</a:t>
+              <a:t>5/31/21</a:t>
             </a:fld>
             <a:endParaRPr lang="en-US"/>
           </a:p>
@@ -3745,7 +3754,7 @@
           <a:p>
             <a:fld id="{722A66D8-8E7A-4E22-BBC1-BC659DD3C778}" type="datetime1">
               <a:rPr lang="en-US" smtClean="0"/>
-              <a:t>5/31/2021</a:t>
+              <a:t>5/31/21</a:t>
             </a:fld>
             <a:endParaRPr lang="en-US"/>
           </a:p>
@@ -3968,7 +3977,7 @@
           <a:p>
             <a:fld id="{A6AD216D-7D59-4A7F-B917-368A6AA771D1}" type="datetime1">
               <a:rPr lang="en-US" smtClean="0"/>
-              <a:t>5/31/2021</a:t>
+              <a:t>5/31/21</a:t>
             </a:fld>
             <a:endParaRPr lang="en-US"/>
           </a:p>
@@ -4169,7 +4178,7 @@
           <a:p>
             <a:fld id="{A303DA1B-F999-4E69-99FA-1CE3772F5BA5}" type="datetime1">
               <a:rPr lang="en-US" smtClean="0"/>
-              <a:t>5/31/2021</a:t>
+              <a:t>5/31/21</a:t>
             </a:fld>
             <a:endParaRPr lang="en-US"/>
           </a:p>
@@ -4447,7 +4456,7 @@
           <a:p>
             <a:fld id="{BC6C999D-E676-4E45-9175-E80BE730AFA4}" type="datetime1">
               <a:rPr lang="en-US" smtClean="0"/>
-              <a:t>5/31/2021</a:t>
+              <a:t>5/31/21</a:t>
             </a:fld>
             <a:endParaRPr lang="en-US"/>
           </a:p>
@@ -4715,7 +4724,7 @@
           <a:p>
             <a:fld id="{23A1BCF4-86ED-40A1-86A7-32B5D50E9F93}" type="datetime1">
               <a:rPr lang="en-US" smtClean="0"/>
-              <a:t>5/31/2021</a:t>
+              <a:t>5/31/21</a:t>
             </a:fld>
             <a:endParaRPr lang="en-US"/>
           </a:p>
@@ -5130,7 +5139,7 @@
           <a:p>
             <a:fld id="{A9F9FAEC-7120-4131-91B0-7600C665D34A}" type="datetime1">
               <a:rPr lang="en-US" smtClean="0"/>
-              <a:t>5/31/2021</a:t>
+              <a:t>5/31/21</a:t>
             </a:fld>
             <a:endParaRPr lang="en-US"/>
           </a:p>
@@ -5274,7 +5283,7 @@
           <a:p>
             <a:fld id="{B247B85E-64B9-43BE-AE29-B422BBA0E858}" type="datetime1">
               <a:rPr lang="en-US" smtClean="0"/>
-              <a:t>5/31/2021</a:t>
+              <a:t>5/31/21</a:t>
             </a:fld>
             <a:endParaRPr lang="en-US"/>
           </a:p>
@@ -5390,7 +5399,7 @@
           <a:p>
             <a:fld id="{1B611B8C-FD49-4646-9FB0-3CB2922F548E}" type="datetime1">
               <a:rPr lang="en-US" smtClean="0"/>
-              <a:t>5/31/2021</a:t>
+              <a:t>5/31/21</a:t>
             </a:fld>
             <a:endParaRPr lang="en-US"/>
           </a:p>
@@ -5704,7 +5713,7 @@
           <a:p>
             <a:fld id="{89325260-0D0F-4914-839B-D20472212676}" type="datetime1">
               <a:rPr lang="en-US" smtClean="0"/>
-              <a:t>5/31/2021</a:t>
+              <a:t>5/31/21</a:t>
             </a:fld>
             <a:endParaRPr lang="en-US"/>
           </a:p>
@@ -5905,7 +5914,7 @@
           <a:p>
             <a:fld id="{9CC3B546-0499-42FA-9D44-8F6B08AE3C90}" type="datetime1">
               <a:rPr lang="en-US" smtClean="0"/>
-              <a:t>5/31/2021</a:t>
+              <a:t>5/31/21</a:t>
             </a:fld>
             <a:endParaRPr lang="en-US"/>
           </a:p>
@@ -6199,7 +6208,7 @@
           <a:p>
             <a:fld id="{B81812BE-3472-47F2-BF26-18685A7C56F6}" type="datetime1">
               <a:rPr lang="en-US" smtClean="0"/>
-              <a:t>5/31/2021</a:t>
+              <a:t>5/31/21</a:t>
             </a:fld>
             <a:endParaRPr lang="en-US"/>
           </a:p>
@@ -6400,7 +6409,7 @@
           <a:p>
             <a:fld id="{18A87C95-A9A9-4012-BBE3-9041C38DF315}" type="datetime1">
               <a:rPr lang="en-US" smtClean="0"/>
-              <a:t>5/31/2021</a:t>
+              <a:t>5/31/21</a:t>
             </a:fld>
             <a:endParaRPr lang="en-US"/>
           </a:p>
@@ -6611,7 +6620,7 @@
           <a:p>
             <a:fld id="{6F2349E6-156D-4BA7-9DD6-6FA82AD0779F}" type="datetime1">
               <a:rPr lang="en-US" smtClean="0"/>
-              <a:t>5/31/2021</a:t>
+              <a:t>5/31/21</a:t>
             </a:fld>
             <a:endParaRPr lang="en-US"/>
           </a:p>
@@ -6889,7 +6898,7 @@
           <a:p>
             <a:fld id="{7A0AF4C6-962C-4BD3-B281-8FC47A57A83D}" type="datetime1">
               <a:rPr lang="en-US" smtClean="0"/>
-              <a:t>5/31/2021</a:t>
+              <a:t>5/31/21</a:t>
             </a:fld>
             <a:endParaRPr lang="en-US"/>
           </a:p>
@@ -7157,7 +7166,7 @@
           <a:p>
             <a:fld id="{04EF960B-D9C1-4F1C-8EA6-D052E7F487B2}" type="datetime1">
               <a:rPr lang="en-US" smtClean="0"/>
-              <a:t>5/31/2021</a:t>
+              <a:t>5/31/21</a:t>
             </a:fld>
             <a:endParaRPr lang="en-US"/>
           </a:p>
@@ -7572,7 +7581,7 @@
           <a:p>
             <a:fld id="{D71C6406-26D4-468E-93D2-CE85D1EDF798}" type="datetime1">
               <a:rPr lang="en-US" smtClean="0"/>
-              <a:t>5/31/2021</a:t>
+              <a:t>5/31/21</a:t>
             </a:fld>
             <a:endParaRPr lang="en-US"/>
           </a:p>
@@ -7716,7 +7725,7 @@
           <a:p>
             <a:fld id="{9D412F2F-3F11-4A6C-A0F0-FD7A21F242EC}" type="datetime1">
               <a:rPr lang="en-US" smtClean="0"/>
-              <a:t>5/31/2021</a:t>
+              <a:t>5/31/21</a:t>
             </a:fld>
             <a:endParaRPr lang="en-US"/>
           </a:p>
@@ -7832,7 +7841,7 @@
           <a:p>
             <a:fld id="{8CBFE044-556D-4073-8297-E5E2436291C0}" type="datetime1">
               <a:rPr lang="en-US" smtClean="0"/>
-              <a:t>5/31/2021</a:t>
+              <a:t>5/31/21</a:t>
             </a:fld>
             <a:endParaRPr lang="en-US"/>
           </a:p>
@@ -8146,7 +8155,7 @@
           <a:p>
             <a:fld id="{AFC46207-BCE1-44EF-A79B-771210D6A754}" type="datetime1">
               <a:rPr lang="en-US" smtClean="0"/>
-              <a:t>5/31/2021</a:t>
+              <a:t>5/31/21</a:t>
             </a:fld>
             <a:endParaRPr lang="en-US"/>
           </a:p>
@@ -8440,7 +8449,7 @@
           <a:p>
             <a:fld id="{269C1E1C-AC9E-42BA-B7CA-59A587E3E00F}" type="datetime1">
               <a:rPr lang="en-US" smtClean="0"/>
-              <a:t>5/31/2021</a:t>
+              <a:t>5/31/21</a:t>
             </a:fld>
             <a:endParaRPr lang="en-US"/>
           </a:p>
@@ -8687,7 +8696,7 @@
           <a:p>
             <a:fld id="{63CF8C20-61BB-4A3E-B590-FA17A677BF79}" type="datetime1">
               <a:rPr lang="en-US" smtClean="0"/>
-              <a:t>5/31/2021</a:t>
+              <a:t>5/31/21</a:t>
             </a:fld>
             <a:endParaRPr lang="en-US" dirty="0"/>
           </a:p>
@@ -9266,7 +9275,7 @@
           <a:p>
             <a:fld id="{16B6F2F9-C607-4720-87F9-6AD1246ADE76}" type="datetime1">
               <a:rPr lang="en-US" smtClean="0"/>
-              <a:t>5/31/2021</a:t>
+              <a:t>5/31/21</a:t>
             </a:fld>
             <a:endParaRPr lang="en-US" dirty="0"/>
           </a:p>
@@ -24817,8 +24826,8 @@
           </a:p>
         </p:txBody>
       </p:sp>
-      <mc:AlternateContent xmlns:mc="http://schemas.openxmlformats.org/markup-compatibility/2006">
-        <mc:Choice xmlns:a14="http://schemas.microsoft.com/office/drawing/2010/main" Requires="a14">
+      <mc:AlternateContent xmlns:mc="http://schemas.openxmlformats.org/markup-compatibility/2006" xmlns:a14="http://schemas.microsoft.com/office/drawing/2010/main">
+        <mc:Choice Requires="a14">
           <p:sp>
             <p:nvSpPr>
               <p:cNvPr id="16" name="TextBox 15">
@@ -24962,7 +24971,7 @@
             </p:txBody>
           </p:sp>
         </mc:Choice>
-        <mc:Fallback>
+        <mc:Fallback xmlns="">
           <p:sp>
             <p:nvSpPr>
               <p:cNvPr id="16" name="TextBox 15">
@@ -28416,8 +28425,8 @@
           </p:sp>
         </mc:Fallback>
       </mc:AlternateContent>
-      <mc:AlternateContent xmlns:mc="http://schemas.openxmlformats.org/markup-compatibility/2006">
-        <mc:Choice xmlns:a14="http://schemas.microsoft.com/office/drawing/2010/main" Requires="a14">
+      <mc:AlternateContent xmlns:mc="http://schemas.openxmlformats.org/markup-compatibility/2006" xmlns:a14="http://schemas.microsoft.com/office/drawing/2010/main">
+        <mc:Choice Requires="a14">
           <p:sp>
             <p:nvSpPr>
               <p:cNvPr id="3" name="TextBox 2">
@@ -28759,7 +28768,7 @@
             </p:txBody>
           </p:sp>
         </mc:Choice>
-        <mc:Fallback>
+        <mc:Fallback xmlns="">
           <p:sp>
             <p:nvSpPr>
               <p:cNvPr id="3" name="TextBox 2">
@@ -30172,8 +30181,8 @@
           </a:p>
         </p:txBody>
       </p:sp>
-      <mc:AlternateContent xmlns:mc="http://schemas.openxmlformats.org/markup-compatibility/2006">
-        <mc:Choice xmlns:a14="http://schemas.microsoft.com/office/drawing/2010/main" Requires="a14">
+      <mc:AlternateContent xmlns:mc="http://schemas.openxmlformats.org/markup-compatibility/2006" xmlns:a14="http://schemas.microsoft.com/office/drawing/2010/main">
+        <mc:Choice Requires="a14">
           <p:sp>
             <p:nvSpPr>
               <p:cNvPr id="3" name="Content Placeholder 2">
@@ -30351,7 +30360,7 @@
             </p:txBody>
           </p:sp>
         </mc:Choice>
-        <mc:Fallback>
+        <mc:Fallback xmlns="">
           <p:sp>
             <p:nvSpPr>
               <p:cNvPr id="3" name="Content Placeholder 2">
@@ -30960,8 +30969,8 @@
           </a:p>
         </p:txBody>
       </p:sp>
-      <mc:AlternateContent xmlns:mc="http://schemas.openxmlformats.org/markup-compatibility/2006">
-        <mc:Choice xmlns:a14="http://schemas.microsoft.com/office/drawing/2010/main" Requires="a14">
+      <mc:AlternateContent xmlns:mc="http://schemas.openxmlformats.org/markup-compatibility/2006" xmlns:a14="http://schemas.microsoft.com/office/drawing/2010/main">
+        <mc:Choice Requires="a14">
           <p:sp>
             <p:nvSpPr>
               <p:cNvPr id="3" name="Content Placeholder 2">
@@ -31734,7 +31743,7 @@
             </p:txBody>
           </p:sp>
         </mc:Choice>
-        <mc:Fallback>
+        <mc:Fallback xmlns="">
           <p:sp>
             <p:nvSpPr>
               <p:cNvPr id="3" name="Content Placeholder 2">

--- a/Presentations/NUCLEI_June2021/tropiano_nuclei_june2021.pptx
+++ b/Presentations/NUCLEI_June2021/tropiano_nuclei_june2021.pptx
@@ -1651,6 +1651,12 @@
               <a:t>Furthermore, this factorizes so we are left with the high-momentum dependence out in front here (point) and the rest is at low momentum.</a:t>
             </a:r>
           </a:p>
+          <a:p>
+            <a:r>
+              <a:rPr lang="en-US" dirty="0"/>
+              <a:t>Factorization from OPE.</a:t>
+            </a:r>
+          </a:p>
         </p:txBody>
       </p:sp>
       <p:sp>
@@ -1909,7 +1915,19 @@
           <a:p>
             <a:r>
               <a:rPr lang="en-US" dirty="0"/>
-              <a:t>Compare to AV18 QMC calculations, read bullets.</a:t>
+              <a:t>Compare to AV18 QMC calculations, read bullets, emphasize that the high-q tail works well.</a:t>
+            </a:r>
+          </a:p>
+          <a:p>
+            <a:r>
+              <a:rPr lang="en-US" dirty="0"/>
+              <a:t>Why is the intermediate q region the worst? Operator cut at 2-body and WF is just HF. (IMSRG decoupling example).</a:t>
+            </a:r>
+          </a:p>
+          <a:p>
+            <a:r>
+              <a:rPr lang="en-US" dirty="0"/>
+              <a:t>Why isn’t low-q showing? Low-q corresponds to large-r in LDA where a local density approximation will not work.</a:t>
             </a:r>
           </a:p>
         </p:txBody>
@@ -2455,6 +2473,33 @@
               <a:rPr lang="en-US" dirty="0"/>
               <a:t>Lastly, we can produce SRC scale factors using this expression here (explain). Gives good agreement with experiment and LCA calculations from this reference (point).</a:t>
             </a:r>
+          </a:p>
+          <a:p>
+            <a:r>
+              <a:rPr lang="en-US" dirty="0"/>
+              <a:t>a2 is given by the ratio of \</a:t>
+            </a:r>
+            <a:r>
+              <a:rPr lang="en-US" dirty="0" err="1"/>
+              <a:t>sigma^A</a:t>
+            </a:r>
+            <a:r>
+              <a:rPr lang="en-US" dirty="0"/>
+              <a:t> / \</a:t>
+            </a:r>
+            <a:r>
+              <a:rPr lang="en-US" dirty="0" err="1"/>
+              <a:t>sigma^d</a:t>
+            </a:r>
+            <a:r>
+              <a:rPr lang="en-US" dirty="0"/>
+              <a:t> inclusive cross section ratios which plateau at </a:t>
+            </a:r>
+            <a:r>
+              <a:rPr lang="en-US"/>
+              <a:t>high Bjorken x.</a:t>
+            </a:r>
+            <a:endParaRPr lang="en-US" dirty="0"/>
           </a:p>
         </p:txBody>
       </p:sp>
@@ -10025,6 +10070,20 @@
                 <a:ea typeface="Arial Unicode MS" panose="020B0604020202020204" pitchFamily="34" charset="-128"/>
                 <a:cs typeface="Arial" panose="020B0604020202020204" pitchFamily="34" charset="0"/>
               </a:rPr>
+              <a:t>, Scott Bogner</a:t>
+            </a:r>
+            <a:r>
+              <a:rPr lang="en-US" altLang="en-US" sz="2200" baseline="30000" dirty="0">
+                <a:ea typeface="Arial Unicode MS" panose="020B0604020202020204" pitchFamily="34" charset="-128"/>
+                <a:cs typeface="Arial" panose="020B0604020202020204" pitchFamily="34" charset="0"/>
+              </a:rPr>
+              <a:t>2</a:t>
+            </a:r>
+            <a:r>
+              <a:rPr lang="en-US" altLang="en-US" sz="2200" dirty="0">
+                <a:ea typeface="Arial Unicode MS" panose="020B0604020202020204" pitchFamily="34" charset="-128"/>
+                <a:cs typeface="Arial" panose="020B0604020202020204" pitchFamily="34" charset="0"/>
+              </a:rPr>
               <a:t>, Dick Furnstahl</a:t>
             </a:r>
             <a:r>
@@ -10034,20 +10093,10 @@
               </a:rPr>
               <a:t>1</a:t>
             </a:r>
-            <a:r>
-              <a:rPr lang="en-US" altLang="en-US" sz="2200" dirty="0">
-                <a:ea typeface="Arial Unicode MS" panose="020B0604020202020204" pitchFamily="34" charset="-128"/>
-                <a:cs typeface="Arial" panose="020B0604020202020204" pitchFamily="34" charset="0"/>
-              </a:rPr>
-              <a:t>, Scott Bogner</a:t>
-            </a:r>
-            <a:r>
-              <a:rPr lang="en-US" altLang="en-US" sz="2200" baseline="30000" dirty="0">
-                <a:ea typeface="Arial Unicode MS" panose="020B0604020202020204" pitchFamily="34" charset="-128"/>
-                <a:cs typeface="Arial" panose="020B0604020202020204" pitchFamily="34" charset="0"/>
-              </a:rPr>
-              <a:t>2</a:t>
-            </a:r>
+            <a:endParaRPr lang="en-US" altLang="en-US" sz="2200" dirty="0">
+              <a:ea typeface="Arial Unicode MS" panose="020B0604020202020204" pitchFamily="34" charset="-128"/>
+              <a:cs typeface="Arial" panose="020B0604020202020204" pitchFamily="34" charset="0"/>
+            </a:endParaRPr>
           </a:p>
           <a:p>
             <a:pPr>
@@ -21874,8 +21923,8 @@
           </a:p>
         </p:txBody>
       </p:sp>
-      <mc:AlternateContent xmlns:mc="http://schemas.openxmlformats.org/markup-compatibility/2006" xmlns:a14="http://schemas.microsoft.com/office/drawing/2010/main">
-        <mc:Choice Requires="a14">
+      <mc:AlternateContent xmlns:mc="http://schemas.openxmlformats.org/markup-compatibility/2006">
+        <mc:Choice xmlns:a14="http://schemas.microsoft.com/office/drawing/2010/main" Requires="a14">
           <p:sp>
             <p:nvSpPr>
               <p:cNvPr id="3" name="Content Placeholder 2">
@@ -21894,8 +21943,8 @@
             </p:nvSpPr>
             <p:spPr>
               <a:xfrm>
-                <a:off x="522302" y="1690688"/>
-                <a:ext cx="6251360" cy="4351338"/>
+                <a:off x="320421" y="1690688"/>
+                <a:ext cx="6341636" cy="4351338"/>
               </a:xfrm>
             </p:spPr>
             <p:txBody>
@@ -22098,10 +22147,21 @@
                   <a:t> fixed by 2-body</a:t>
                 </a:r>
               </a:p>
+              <a:p>
+                <a:pPr lvl="1">
+                  <a:lnSpc>
+                    <a:spcPct val="100000"/>
+                  </a:lnSpc>
+                </a:pPr>
+                <a:r>
+                  <a:rPr lang="en-US" dirty="0"/>
+                  <a:t>Results are insensitive to type of density</a:t>
+                </a:r>
+              </a:p>
             </p:txBody>
           </p:sp>
         </mc:Choice>
-        <mc:Fallback xmlns="">
+        <mc:Fallback>
           <p:sp>
             <p:nvSpPr>
               <p:cNvPr id="3" name="Content Placeholder 2">
@@ -22120,13 +22180,13 @@
             </p:nvSpPr>
             <p:spPr>
               <a:xfrm>
-                <a:off x="522302" y="1690688"/>
-                <a:ext cx="6251360" cy="4351338"/>
+                <a:off x="320421" y="1690688"/>
+                <a:ext cx="6341636" cy="4351338"/>
               </a:xfrm>
               <a:blipFill>
                 <a:blip r:embed="rId4"/>
                 <a:stretch>
-                  <a:fillRect l="-1826" t="-1163"/>
+                  <a:fillRect l="-1800" t="-1163" r="-1000"/>
                 </a:stretch>
               </a:blipFill>
             </p:spPr>
@@ -22266,8 +22326,8 @@
           </a:p>
         </p:txBody>
       </p:sp>
-      <mc:AlternateContent xmlns:mc="http://schemas.openxmlformats.org/markup-compatibility/2006" xmlns:a14="http://schemas.microsoft.com/office/drawing/2010/main">
-        <mc:Choice Requires="a14">
+      <mc:AlternateContent xmlns:mc="http://schemas.openxmlformats.org/markup-compatibility/2006">
+        <mc:Choice xmlns:a14="http://schemas.microsoft.com/office/drawing/2010/main" Requires="a14">
           <p:sp>
             <p:nvSpPr>
               <p:cNvPr id="8" name="TextBox 7">
@@ -22377,7 +22437,7 @@
                     <a:latin typeface="Arial" panose="020B0604020202020204" pitchFamily="34" charset="0"/>
                     <a:cs typeface="Arial" panose="020B0604020202020204" pitchFamily="34" charset="0"/>
                   </a:rPr>
-                  <a:t> potential SLy4 using the HFBRAD code</a:t>
+                  <a:t> EDF SLy4 using the HFBRAD code</a:t>
                 </a:r>
                 <a:r>
                   <a:rPr lang="en-US" sz="1600" baseline="30000" dirty="0">
@@ -22397,7 +22457,7 @@
             </p:txBody>
           </p:sp>
         </mc:Choice>
-        <mc:Fallback xmlns="">
+        <mc:Fallback>
           <p:sp>
             <p:nvSpPr>
               <p:cNvPr id="8" name="TextBox 7">
@@ -24955,8 +25015,8 @@
           </p:sp>
         </mc:Fallback>
       </mc:AlternateContent>
-      <mc:AlternateContent xmlns:mc="http://schemas.openxmlformats.org/markup-compatibility/2006">
-        <mc:Choice xmlns:a14="http://schemas.microsoft.com/office/drawing/2010/main" Requires="a14">
+      <mc:AlternateContent xmlns:mc="http://schemas.openxmlformats.org/markup-compatibility/2006" xmlns:a14="http://schemas.microsoft.com/office/drawing/2010/main">
+        <mc:Choice Requires="a14">
           <p:sp>
             <p:nvSpPr>
               <p:cNvPr id="3" name="TextBox 2">
@@ -25240,7 +25300,7 @@
             </p:txBody>
           </p:sp>
         </mc:Choice>
-        <mc:Fallback>
+        <mc:Fallback xmlns="">
           <p:sp>
             <p:nvSpPr>
               <p:cNvPr id="3" name="TextBox 2">
@@ -28955,8 +29015,8 @@
           </a:p>
         </p:txBody>
       </p:sp>
-      <mc:AlternateContent xmlns:mc="http://schemas.openxmlformats.org/markup-compatibility/2006" xmlns:a14="http://schemas.microsoft.com/office/drawing/2010/main">
-        <mc:Choice Requires="a14">
+      <mc:AlternateContent xmlns:mc="http://schemas.openxmlformats.org/markup-compatibility/2006">
+        <mc:Choice xmlns:a14="http://schemas.microsoft.com/office/drawing/2010/main" Requires="a14">
           <p:sp>
             <p:nvSpPr>
               <p:cNvPr id="3" name="Content Placeholder 2">
@@ -29707,7 +29767,40 @@
                 </a:pPr>
                 <a:r>
                   <a:rPr lang="en-US" sz="2400" dirty="0"/>
-                  <a:t>Good agreement with experiment</a:t>
+                  <a:t>Good agreement with </a:t>
+                </a:r>
+                <a14:m>
+                  <m:oMath xmlns:m="http://schemas.openxmlformats.org/officeDocument/2006/math">
+                    <m:sSub>
+                      <m:sSubPr>
+                        <m:ctrlPr>
+                          <a:rPr lang="en-US" sz="2400" i="1" smtClean="0">
+                            <a:latin typeface="Cambria Math" panose="02040503050406030204" pitchFamily="18" charset="0"/>
+                          </a:rPr>
+                        </m:ctrlPr>
+                      </m:sSubPr>
+                      <m:e>
+                        <m:r>
+                          <a:rPr lang="en-US" sz="2400" b="0" i="1" smtClean="0">
+                            <a:latin typeface="Cambria Math" panose="02040503050406030204" pitchFamily="18" charset="0"/>
+                          </a:rPr>
+                          <m:t>𝑎</m:t>
+                        </m:r>
+                      </m:e>
+                      <m:sub>
+                        <m:r>
+                          <a:rPr lang="en-US" sz="2400" b="0" i="1" smtClean="0">
+                            <a:latin typeface="Cambria Math" panose="02040503050406030204" pitchFamily="18" charset="0"/>
+                          </a:rPr>
+                          <m:t>2</m:t>
+                        </m:r>
+                      </m:sub>
+                    </m:sSub>
+                  </m:oMath>
+                </a14:m>
+                <a:r>
+                  <a:rPr lang="en-US" sz="2400" dirty="0"/>
+                  <a:t> values from experiment</a:t>
                 </a:r>
                 <a:r>
                   <a:rPr lang="en-US" sz="2400" baseline="30000" dirty="0"/>
@@ -29729,7 +29822,7 @@
             </p:txBody>
           </p:sp>
         </mc:Choice>
-        <mc:Fallback xmlns="">
+        <mc:Fallback>
           <p:sp>
             <p:nvSpPr>
               <p:cNvPr id="3" name="Content Placeholder 2">
@@ -29754,7 +29847,7 @@
               <a:blipFill>
                 <a:blip r:embed="rId4"/>
                 <a:stretch>
-                  <a:fillRect l="-1299" t="-980"/>
+                  <a:fillRect l="-1245" t="-2332"/>
                 </a:stretch>
               </a:blipFill>
             </p:spPr>
@@ -30424,11 +30517,17 @@
               <a:rPr lang="en-US" sz="2200" dirty="0"/>
               <a:t>Apply to more complicated knock-out reactions (SRG with optical potentials)</a:t>
             </a:r>
-            <a:endParaRPr lang="en-US" sz="2200" dirty="0">
-              <a:solidFill>
-                <a:srgbClr val="C00000"/>
-              </a:solidFill>
-            </a:endParaRPr>
+          </a:p>
+          <a:p>
+            <a:pPr lvl="1">
+              <a:lnSpc>
+                <a:spcPct val="100000"/>
+              </a:lnSpc>
+            </a:pPr>
+            <a:r>
+              <a:rPr lang="en-US" sz="2200" dirty="0"/>
+              <a:t>Implement uncertainty quantification</a:t>
+            </a:r>
           </a:p>
         </p:txBody>
       </p:sp>
@@ -35478,8 +35577,8 @@
           </a:p>
         </p:txBody>
       </p:sp>
-      <mc:AlternateContent xmlns:mc="http://schemas.openxmlformats.org/markup-compatibility/2006">
-        <mc:Choice xmlns:a14="http://schemas.microsoft.com/office/drawing/2010/main" Requires="a14">
+      <mc:AlternateContent xmlns:mc="http://schemas.openxmlformats.org/markup-compatibility/2006" xmlns:a14="http://schemas.microsoft.com/office/drawing/2010/main">
+        <mc:Choice Requires="a14">
           <p:sp>
             <p:nvSpPr>
               <p:cNvPr id="3" name="Content Placeholder 2">
@@ -35577,7 +35676,7 @@
             </p:txBody>
           </p:sp>
         </mc:Choice>
-        <mc:Fallback>
+        <mc:Fallback xmlns="">
           <p:sp>
             <p:nvSpPr>
               <p:cNvPr id="3" name="Content Placeholder 2">
